--- a/docs/diagrams/source/business-api.pptx
+++ b/docs/diagrams/source/business-api.pptx
@@ -3804,12 +3804,1516 @@
           </a:p>
         </p:txBody>
       </p:sp>
+      <p:sp>
+        <p:nvSpPr>
+          <p:cNvPr id="33" name="TextBox 32">
+            <a:extLst>
+              <a:ext uri="{FF2B5EF4-FFF2-40B4-BE49-F238E27FC236}">
+                <a16:creationId xmlns:a16="http://schemas.microsoft.com/office/drawing/2014/main" id="{9D1391EA-5F11-5B69-4A9A-2DC1A50BF3BD}"/>
+              </a:ext>
+            </a:extLst>
+          </p:cNvPr>
+          <p:cNvSpPr txBox="1"/>
+          <p:nvPr/>
+        </p:nvSpPr>
+        <p:spPr>
+          <a:xfrm>
+            <a:off x="7311235" y="2978369"/>
+            <a:ext cx="853119" cy="246221"/>
+          </a:xfrm>
+          <a:prstGeom prst="rect">
+            <a:avLst/>
+          </a:prstGeom>
+          <a:ln w="28575">
+            <a:solidFill>
+              <a:schemeClr val="tx1"/>
+            </a:solidFill>
+          </a:ln>
+        </p:spPr>
+        <p:style>
+          <a:lnRef idx="2">
+            <a:schemeClr val="dk1"/>
+          </a:lnRef>
+          <a:fillRef idx="1">
+            <a:schemeClr val="lt1"/>
+          </a:fillRef>
+          <a:effectRef idx="0">
+            <a:schemeClr val="dk1"/>
+          </a:effectRef>
+          <a:fontRef idx="minor">
+            <a:schemeClr val="dk1"/>
+          </a:fontRef>
+        </p:style>
+        <p:txBody>
+          <a:bodyPr wrap="none" rtlCol="0">
+            <a:spAutoFit/>
+          </a:bodyPr>
+          <a:lstStyle/>
+          <a:p>
+            <a:r>
+              <a:rPr lang="en-US" sz="1000" b="1" dirty="0">
+                <a:solidFill>
+                  <a:schemeClr val="tx1"/>
+                </a:solidFill>
+              </a:rPr>
+              <a:t>Business API</a:t>
+            </a:r>
+            <a:endParaRPr lang="en-US" sz="1000" i="1" dirty="0">
+              <a:solidFill>
+                <a:schemeClr val="tx1"/>
+              </a:solidFill>
+            </a:endParaRPr>
+          </a:p>
+        </p:txBody>
+      </p:sp>
+      <p:sp>
+        <p:nvSpPr>
+          <p:cNvPr id="12" name="TextBox 11">
+            <a:extLst>
+              <a:ext uri="{FF2B5EF4-FFF2-40B4-BE49-F238E27FC236}">
+                <a16:creationId xmlns:a16="http://schemas.microsoft.com/office/drawing/2014/main" id="{02E4C5BE-75F5-D1D4-EA17-3C37EDAF0EB8}"/>
+              </a:ext>
+            </a:extLst>
+          </p:cNvPr>
+          <p:cNvSpPr txBox="1">
+            <a:spLocks noChangeAspect="1"/>
+          </p:cNvSpPr>
+          <p:nvPr/>
+        </p:nvSpPr>
+        <p:spPr>
+          <a:xfrm>
+            <a:off x="4346400" y="3307312"/>
+            <a:ext cx="1749600" cy="244800"/>
+          </a:xfrm>
+          <a:prstGeom prst="rect">
+            <a:avLst/>
+          </a:prstGeom>
+          <a:ln w="28575">
+            <a:solidFill>
+              <a:schemeClr val="tx1"/>
+            </a:solidFill>
+          </a:ln>
+        </p:spPr>
+        <p:style>
+          <a:lnRef idx="2">
+            <a:schemeClr val="dk1"/>
+          </a:lnRef>
+          <a:fillRef idx="1">
+            <a:schemeClr val="lt1"/>
+          </a:fillRef>
+          <a:effectRef idx="0">
+            <a:schemeClr val="dk1"/>
+          </a:effectRef>
+          <a:fontRef idx="minor">
+            <a:schemeClr val="dk1"/>
+          </a:fontRef>
+        </p:style>
+        <p:txBody>
+          <a:bodyPr wrap="square" rtlCol="0">
+            <a:spAutoFit/>
+          </a:bodyPr>
+          <a:lstStyle/>
+          <a:p>
+            <a:pPr algn="ctr"/>
+            <a:r>
+              <a:rPr lang="en-US" sz="1000" b="1" dirty="0">
+                <a:solidFill>
+                  <a:schemeClr val="tx1"/>
+                </a:solidFill>
+              </a:rPr>
+              <a:t>Business Dashboard UI</a:t>
+            </a:r>
+            <a:endParaRPr lang="en-US" sz="1000" i="1" dirty="0">
+              <a:solidFill>
+                <a:schemeClr val="tx1"/>
+              </a:solidFill>
+            </a:endParaRPr>
+          </a:p>
+        </p:txBody>
+      </p:sp>
+      <p:sp>
+        <p:nvSpPr>
+          <p:cNvPr id="5" name="TextBox 4">
+            <a:extLst>
+              <a:ext uri="{FF2B5EF4-FFF2-40B4-BE49-F238E27FC236}">
+                <a16:creationId xmlns:a16="http://schemas.microsoft.com/office/drawing/2014/main" id="{C3C93DF1-399E-457D-AFEF-704EEC9685EA}"/>
+              </a:ext>
+            </a:extLst>
+          </p:cNvPr>
+          <p:cNvSpPr txBox="1">
+            <a:spLocks noChangeAspect="1"/>
+          </p:cNvSpPr>
+          <p:nvPr/>
+        </p:nvSpPr>
+        <p:spPr>
+          <a:xfrm>
+            <a:off x="4346400" y="3770991"/>
+            <a:ext cx="1749600" cy="244800"/>
+          </a:xfrm>
+          <a:prstGeom prst="rect">
+            <a:avLst/>
+          </a:prstGeom>
+          <a:ln w="28575">
+            <a:solidFill>
+              <a:schemeClr val="tx1"/>
+            </a:solidFill>
+          </a:ln>
+        </p:spPr>
+        <p:style>
+          <a:lnRef idx="2">
+            <a:schemeClr val="dk1"/>
+          </a:lnRef>
+          <a:fillRef idx="1">
+            <a:schemeClr val="lt1"/>
+          </a:fillRef>
+          <a:effectRef idx="0">
+            <a:schemeClr val="dk1"/>
+          </a:effectRef>
+          <a:fontRef idx="minor">
+            <a:schemeClr val="dk1"/>
+          </a:fontRef>
+        </p:style>
+        <p:txBody>
+          <a:bodyPr wrap="square" rtlCol="0">
+            <a:spAutoFit/>
+          </a:bodyPr>
+          <a:lstStyle/>
+          <a:p>
+            <a:pPr algn="ctr"/>
+            <a:r>
+              <a:rPr lang="en-US" sz="1000" b="1" dirty="0">
+                <a:solidFill>
+                  <a:schemeClr val="tx1"/>
+                </a:solidFill>
+              </a:rPr>
+              <a:t>Business Filings UI</a:t>
+            </a:r>
+            <a:endParaRPr lang="en-US" sz="1000" i="1" dirty="0">
+              <a:solidFill>
+                <a:schemeClr val="tx1"/>
+              </a:solidFill>
+            </a:endParaRPr>
+          </a:p>
+        </p:txBody>
+      </p:sp>
+      <p:sp>
+        <p:nvSpPr>
+          <p:cNvPr id="13" name="TextBox 12">
+            <a:extLst>
+              <a:ext uri="{FF2B5EF4-FFF2-40B4-BE49-F238E27FC236}">
+                <a16:creationId xmlns:a16="http://schemas.microsoft.com/office/drawing/2014/main" id="{32BAC9D9-A763-C943-54EE-1579FC0730ED}"/>
+              </a:ext>
+            </a:extLst>
+          </p:cNvPr>
+          <p:cNvSpPr txBox="1">
+            <a:spLocks noChangeAspect="1"/>
+          </p:cNvSpPr>
+          <p:nvPr/>
+        </p:nvSpPr>
+        <p:spPr>
+          <a:xfrm>
+            <a:off x="4346400" y="5162028"/>
+            <a:ext cx="1749600" cy="246221"/>
+          </a:xfrm>
+          <a:prstGeom prst="rect">
+            <a:avLst/>
+          </a:prstGeom>
+          <a:ln w="28575">
+            <a:solidFill>
+              <a:schemeClr val="tx1"/>
+            </a:solidFill>
+          </a:ln>
+        </p:spPr>
+        <p:style>
+          <a:lnRef idx="2">
+            <a:schemeClr val="dk1"/>
+          </a:lnRef>
+          <a:fillRef idx="1">
+            <a:schemeClr val="lt1"/>
+          </a:fillRef>
+          <a:effectRef idx="0">
+            <a:schemeClr val="dk1"/>
+          </a:effectRef>
+          <a:fontRef idx="minor">
+            <a:schemeClr val="dk1"/>
+          </a:fontRef>
+        </p:style>
+        <p:txBody>
+          <a:bodyPr wrap="none" rtlCol="0">
+            <a:spAutoFit/>
+          </a:bodyPr>
+          <a:lstStyle/>
+          <a:p>
+            <a:pPr algn="ctr"/>
+            <a:r>
+              <a:rPr lang="en-US" sz="1000" b="1" dirty="0">
+                <a:solidFill>
+                  <a:schemeClr val="tx1"/>
+                </a:solidFill>
+              </a:rPr>
+              <a:t>Person Roles UI</a:t>
+            </a:r>
+            <a:endParaRPr lang="en-US" sz="1000" i="1" dirty="0">
+              <a:solidFill>
+                <a:schemeClr val="tx1"/>
+              </a:solidFill>
+            </a:endParaRPr>
+          </a:p>
+        </p:txBody>
+      </p:sp>
+      <p:sp>
+        <p:nvSpPr>
+          <p:cNvPr id="6" name="TextBox 5">
+            <a:extLst>
+              <a:ext uri="{FF2B5EF4-FFF2-40B4-BE49-F238E27FC236}">
+                <a16:creationId xmlns:a16="http://schemas.microsoft.com/office/drawing/2014/main" id="{F30146CC-2A09-42F7-88C1-7DD004BF8F4A}"/>
+              </a:ext>
+            </a:extLst>
+          </p:cNvPr>
+          <p:cNvSpPr txBox="1">
+            <a:spLocks noChangeAspect="1"/>
+          </p:cNvSpPr>
+          <p:nvPr/>
+        </p:nvSpPr>
+        <p:spPr>
+          <a:xfrm>
+            <a:off x="4346400" y="4234670"/>
+            <a:ext cx="1749600" cy="244800"/>
+          </a:xfrm>
+          <a:prstGeom prst="rect">
+            <a:avLst/>
+          </a:prstGeom>
+          <a:ln w="28575">
+            <a:solidFill>
+              <a:schemeClr val="tx1"/>
+            </a:solidFill>
+          </a:ln>
+        </p:spPr>
+        <p:style>
+          <a:lnRef idx="2">
+            <a:schemeClr val="dk1"/>
+          </a:lnRef>
+          <a:fillRef idx="1">
+            <a:schemeClr val="lt1"/>
+          </a:fillRef>
+          <a:effectRef idx="0">
+            <a:schemeClr val="dk1"/>
+          </a:effectRef>
+          <a:fontRef idx="minor">
+            <a:schemeClr val="dk1"/>
+          </a:fontRef>
+        </p:style>
+        <p:txBody>
+          <a:bodyPr wrap="square" rtlCol="0">
+            <a:spAutoFit/>
+          </a:bodyPr>
+          <a:lstStyle/>
+          <a:p>
+            <a:pPr algn="ctr"/>
+            <a:r>
+              <a:rPr lang="en-US" sz="1000" b="1" dirty="0">
+                <a:solidFill>
+                  <a:schemeClr val="tx1"/>
+                </a:solidFill>
+              </a:rPr>
+              <a:t>Business Create UI</a:t>
+            </a:r>
+            <a:endParaRPr lang="en-US" sz="1000" i="1" dirty="0">
+              <a:solidFill>
+                <a:schemeClr val="tx1"/>
+              </a:solidFill>
+            </a:endParaRPr>
+          </a:p>
+        </p:txBody>
+      </p:sp>
+      <p:cxnSp>
+        <p:nvCxnSpPr>
+          <p:cNvPr id="277" name="Connector: Elbow 276">
+            <a:extLst>
+              <a:ext uri="{FF2B5EF4-FFF2-40B4-BE49-F238E27FC236}">
+                <a16:creationId xmlns:a16="http://schemas.microsoft.com/office/drawing/2014/main" id="{2C77AB42-FB23-DF0D-A3AC-68A58DE565C1}"/>
+              </a:ext>
+            </a:extLst>
+          </p:cNvPr>
+          <p:cNvCxnSpPr>
+            <a:cxnSpLocks/>
+            <a:stCxn id="9" idx="3"/>
+            <a:endCxn id="33" idx="1"/>
+          </p:cNvCxnSpPr>
+          <p:nvPr/>
+        </p:nvCxnSpPr>
+        <p:spPr>
+          <a:xfrm>
+            <a:off x="6096000" y="2966033"/>
+            <a:ext cx="1215235" cy="135447"/>
+          </a:xfrm>
+          <a:prstGeom prst="bentConnector3">
+            <a:avLst>
+              <a:gd name="adj1" fmla="val 50000"/>
+            </a:avLst>
+          </a:prstGeom>
+          <a:ln w="38100">
+            <a:solidFill>
+              <a:schemeClr val="accent2"/>
+            </a:solidFill>
+            <a:tailEnd type="triangle"/>
+          </a:ln>
+        </p:spPr>
+        <p:style>
+          <a:lnRef idx="1">
+            <a:schemeClr val="accent1"/>
+          </a:lnRef>
+          <a:fillRef idx="0">
+            <a:schemeClr val="accent1"/>
+          </a:fillRef>
+          <a:effectRef idx="0">
+            <a:schemeClr val="accent1"/>
+          </a:effectRef>
+          <a:fontRef idx="minor">
+            <a:schemeClr val="tx1"/>
+          </a:fontRef>
+        </p:style>
+      </p:cxnSp>
+      <p:sp>
+        <p:nvSpPr>
+          <p:cNvPr id="8" name="TextBox 7">
+            <a:extLst>
+              <a:ext uri="{FF2B5EF4-FFF2-40B4-BE49-F238E27FC236}">
+                <a16:creationId xmlns:a16="http://schemas.microsoft.com/office/drawing/2014/main" id="{D6CB8EDC-0E78-49DD-B92F-4DF7897A543F}"/>
+              </a:ext>
+            </a:extLst>
+          </p:cNvPr>
+          <p:cNvSpPr txBox="1">
+            <a:spLocks noChangeAspect="1"/>
+          </p:cNvSpPr>
+          <p:nvPr/>
+        </p:nvSpPr>
+        <p:spPr>
+          <a:xfrm>
+            <a:off x="4346400" y="1916275"/>
+            <a:ext cx="1749600" cy="244800"/>
+          </a:xfrm>
+          <a:prstGeom prst="rect">
+            <a:avLst/>
+          </a:prstGeom>
+          <a:ln w="28575">
+            <a:solidFill>
+              <a:schemeClr val="tx1"/>
+            </a:solidFill>
+          </a:ln>
+        </p:spPr>
+        <p:style>
+          <a:lnRef idx="2">
+            <a:schemeClr val="dk1"/>
+          </a:lnRef>
+          <a:fillRef idx="1">
+            <a:schemeClr val="lt1"/>
+          </a:fillRef>
+          <a:effectRef idx="0">
+            <a:schemeClr val="dk1"/>
+          </a:effectRef>
+          <a:fontRef idx="minor">
+            <a:schemeClr val="dk1"/>
+          </a:fontRef>
+        </p:style>
+        <p:txBody>
+          <a:bodyPr wrap="square" rtlCol="0">
+            <a:spAutoFit/>
+          </a:bodyPr>
+          <a:lstStyle/>
+          <a:p>
+            <a:pPr algn="ctr"/>
+            <a:r>
+              <a:rPr lang="en-US" sz="1000" b="1" dirty="0">
+                <a:solidFill>
+                  <a:schemeClr val="tx1"/>
+                </a:solidFill>
+              </a:rPr>
+              <a:t>Namerequest UI</a:t>
+            </a:r>
+          </a:p>
+        </p:txBody>
+      </p:sp>
+      <p:sp>
+        <p:nvSpPr>
+          <p:cNvPr id="4" name="TextBox 3">
+            <a:extLst>
+              <a:ext uri="{FF2B5EF4-FFF2-40B4-BE49-F238E27FC236}">
+                <a16:creationId xmlns:a16="http://schemas.microsoft.com/office/drawing/2014/main" id="{712D4233-AD5E-40F7-9BB0-7A49D1E0ABC7}"/>
+              </a:ext>
+            </a:extLst>
+          </p:cNvPr>
+          <p:cNvSpPr txBox="1">
+            <a:spLocks noChangeAspect="1"/>
+          </p:cNvSpPr>
+          <p:nvPr/>
+        </p:nvSpPr>
+        <p:spPr>
+          <a:xfrm>
+            <a:off x="4346400" y="2379954"/>
+            <a:ext cx="1749600" cy="244800"/>
+          </a:xfrm>
+          <a:prstGeom prst="rect">
+            <a:avLst/>
+          </a:prstGeom>
+          <a:ln w="28575">
+            <a:solidFill>
+              <a:schemeClr val="tx1"/>
+            </a:solidFill>
+          </a:ln>
+        </p:spPr>
+        <p:style>
+          <a:lnRef idx="2">
+            <a:schemeClr val="dk1"/>
+          </a:lnRef>
+          <a:fillRef idx="1">
+            <a:schemeClr val="lt1"/>
+          </a:fillRef>
+          <a:effectRef idx="0">
+            <a:schemeClr val="dk1"/>
+          </a:effectRef>
+          <a:fontRef idx="minor">
+            <a:schemeClr val="dk1"/>
+          </a:fontRef>
+        </p:style>
+        <p:txBody>
+          <a:bodyPr wrap="square" rtlCol="0">
+            <a:spAutoFit/>
+          </a:bodyPr>
+          <a:lstStyle/>
+          <a:p>
+            <a:pPr algn="ctr"/>
+            <a:r>
+              <a:rPr lang="en-US" sz="1000" b="1" dirty="0">
+                <a:solidFill>
+                  <a:schemeClr val="tx1"/>
+                </a:solidFill>
+              </a:rPr>
+              <a:t>Auth UI (Auth Web)</a:t>
+            </a:r>
+            <a:endParaRPr lang="en-US" sz="1000" i="1" dirty="0">
+              <a:solidFill>
+                <a:schemeClr val="tx1"/>
+              </a:solidFill>
+            </a:endParaRPr>
+          </a:p>
+        </p:txBody>
+      </p:sp>
+      <p:sp>
+        <p:nvSpPr>
+          <p:cNvPr id="7" name="TextBox 6">
+            <a:extLst>
+              <a:ext uri="{FF2B5EF4-FFF2-40B4-BE49-F238E27FC236}">
+                <a16:creationId xmlns:a16="http://schemas.microsoft.com/office/drawing/2014/main" id="{6D559352-F128-4CBE-BF63-E1B8D56C2DBB}"/>
+              </a:ext>
+            </a:extLst>
+          </p:cNvPr>
+          <p:cNvSpPr txBox="1">
+            <a:spLocks noChangeAspect="1"/>
+          </p:cNvSpPr>
+          <p:nvPr/>
+        </p:nvSpPr>
+        <p:spPr>
+          <a:xfrm>
+            <a:off x="4346400" y="4698349"/>
+            <a:ext cx="1749600" cy="244800"/>
+          </a:xfrm>
+          <a:prstGeom prst="rect">
+            <a:avLst/>
+          </a:prstGeom>
+          <a:ln w="28575">
+            <a:solidFill>
+              <a:schemeClr val="tx1"/>
+            </a:solidFill>
+          </a:ln>
+        </p:spPr>
+        <p:style>
+          <a:lnRef idx="2">
+            <a:schemeClr val="dk1"/>
+          </a:lnRef>
+          <a:fillRef idx="1">
+            <a:schemeClr val="lt1"/>
+          </a:fillRef>
+          <a:effectRef idx="0">
+            <a:schemeClr val="dk1"/>
+          </a:effectRef>
+          <a:fontRef idx="minor">
+            <a:schemeClr val="dk1"/>
+          </a:fontRef>
+        </p:style>
+        <p:txBody>
+          <a:bodyPr wrap="square" rtlCol="0">
+            <a:spAutoFit/>
+          </a:bodyPr>
+          <a:lstStyle/>
+          <a:p>
+            <a:pPr algn="ctr"/>
+            <a:r>
+              <a:rPr lang="en-US" sz="1000" b="1" dirty="0">
+                <a:solidFill>
+                  <a:schemeClr val="tx1"/>
+                </a:solidFill>
+              </a:rPr>
+              <a:t>Business Edit UI</a:t>
+            </a:r>
+            <a:endParaRPr lang="en-US" sz="1000" i="1" dirty="0">
+              <a:solidFill>
+                <a:schemeClr val="tx1"/>
+              </a:solidFill>
+            </a:endParaRPr>
+          </a:p>
+        </p:txBody>
+      </p:sp>
+      <p:sp>
+        <p:nvSpPr>
+          <p:cNvPr id="489" name="TextBox 488">
+            <a:extLst>
+              <a:ext uri="{FF2B5EF4-FFF2-40B4-BE49-F238E27FC236}">
+                <a16:creationId xmlns:a16="http://schemas.microsoft.com/office/drawing/2014/main" id="{1ADAEA0A-1C96-2A66-6519-EBD6692F3B3D}"/>
+              </a:ext>
+            </a:extLst>
+          </p:cNvPr>
+          <p:cNvSpPr txBox="1"/>
+          <p:nvPr/>
+        </p:nvSpPr>
+        <p:spPr>
+          <a:xfrm>
+            <a:off x="9188074" y="2966734"/>
+            <a:ext cx="1043963" cy="246221"/>
+          </a:xfrm>
+          <a:prstGeom prst="rect">
+            <a:avLst/>
+          </a:prstGeom>
+          <a:ln w="28575">
+            <a:solidFill>
+              <a:schemeClr val="tx1"/>
+            </a:solidFill>
+          </a:ln>
+        </p:spPr>
+        <p:style>
+          <a:lnRef idx="2">
+            <a:schemeClr val="dk1"/>
+          </a:lnRef>
+          <a:fillRef idx="1">
+            <a:schemeClr val="lt1"/>
+          </a:fillRef>
+          <a:effectRef idx="0">
+            <a:schemeClr val="dk1"/>
+          </a:effectRef>
+          <a:fontRef idx="minor">
+            <a:schemeClr val="dk1"/>
+          </a:fontRef>
+        </p:style>
+        <p:txBody>
+          <a:bodyPr wrap="square" rtlCol="0">
+            <a:spAutoFit/>
+          </a:bodyPr>
+          <a:lstStyle/>
+          <a:p>
+            <a:pPr algn="ctr"/>
+            <a:r>
+              <a:rPr lang="en-US" sz="1000" b="1" dirty="0">
+                <a:solidFill>
+                  <a:schemeClr val="tx1"/>
+                </a:solidFill>
+              </a:rPr>
+              <a:t>COLIN</a:t>
+            </a:r>
+            <a:endParaRPr lang="en-US" sz="1000" i="1" dirty="0">
+              <a:solidFill>
+                <a:schemeClr val="tx1"/>
+              </a:solidFill>
+            </a:endParaRPr>
+          </a:p>
+        </p:txBody>
+      </p:sp>
+      <p:sp>
+        <p:nvSpPr>
+          <p:cNvPr id="9" name="TextBox 8">
+            <a:extLst>
+              <a:ext uri="{FF2B5EF4-FFF2-40B4-BE49-F238E27FC236}">
+                <a16:creationId xmlns:a16="http://schemas.microsoft.com/office/drawing/2014/main" id="{2A665410-9244-4F15-657B-3A9E26682345}"/>
+              </a:ext>
+            </a:extLst>
+          </p:cNvPr>
+          <p:cNvSpPr txBox="1">
+            <a:spLocks noChangeAspect="1"/>
+          </p:cNvSpPr>
+          <p:nvPr/>
+        </p:nvSpPr>
+        <p:spPr>
+          <a:xfrm>
+            <a:off x="4346400" y="2843633"/>
+            <a:ext cx="1749600" cy="244800"/>
+          </a:xfrm>
+          <a:prstGeom prst="rect">
+            <a:avLst/>
+          </a:prstGeom>
+          <a:ln w="28575">
+            <a:solidFill>
+              <a:schemeClr val="tx1"/>
+            </a:solidFill>
+          </a:ln>
+        </p:spPr>
+        <p:style>
+          <a:lnRef idx="2">
+            <a:schemeClr val="dk1"/>
+          </a:lnRef>
+          <a:fillRef idx="1">
+            <a:schemeClr val="lt1"/>
+          </a:fillRef>
+          <a:effectRef idx="0">
+            <a:schemeClr val="dk1"/>
+          </a:effectRef>
+          <a:fontRef idx="minor">
+            <a:schemeClr val="dk1"/>
+          </a:fontRef>
+        </p:style>
+        <p:txBody>
+          <a:bodyPr wrap="none" rtlCol="0">
+            <a:spAutoFit/>
+          </a:bodyPr>
+          <a:lstStyle/>
+          <a:p>
+            <a:pPr algn="ctr"/>
+            <a:r>
+              <a:rPr lang="en-US" sz="1000" b="1" dirty="0">
+                <a:solidFill>
+                  <a:schemeClr val="tx1"/>
+                </a:solidFill>
+              </a:rPr>
+              <a:t>My Business Registry</a:t>
+            </a:r>
+            <a:endParaRPr lang="en-US" sz="1000" i="1" dirty="0">
+              <a:solidFill>
+                <a:schemeClr val="tx1"/>
+              </a:solidFill>
+            </a:endParaRPr>
+          </a:p>
+        </p:txBody>
+      </p:sp>
+      <p:sp>
+        <p:nvSpPr>
+          <p:cNvPr id="43" name="TextBox 42">
+            <a:extLst>
+              <a:ext uri="{FF2B5EF4-FFF2-40B4-BE49-F238E27FC236}">
+                <a16:creationId xmlns:a16="http://schemas.microsoft.com/office/drawing/2014/main" id="{180751B6-72B1-24FC-732F-6DA51A35C9F5}"/>
+              </a:ext>
+            </a:extLst>
+          </p:cNvPr>
+          <p:cNvSpPr txBox="1">
+            <a:spLocks noChangeAspect="1"/>
+          </p:cNvSpPr>
+          <p:nvPr/>
+        </p:nvSpPr>
+        <p:spPr>
+          <a:xfrm>
+            <a:off x="1733933" y="1916275"/>
+            <a:ext cx="1749600" cy="244800"/>
+          </a:xfrm>
+          <a:prstGeom prst="rect">
+            <a:avLst/>
+          </a:prstGeom>
+          <a:ln w="28575">
+            <a:solidFill>
+              <a:schemeClr val="tx1"/>
+            </a:solidFill>
+          </a:ln>
+        </p:spPr>
+        <p:style>
+          <a:lnRef idx="2">
+            <a:schemeClr val="dk1"/>
+          </a:lnRef>
+          <a:fillRef idx="1">
+            <a:schemeClr val="lt1"/>
+          </a:fillRef>
+          <a:effectRef idx="0">
+            <a:schemeClr val="dk1"/>
+          </a:effectRef>
+          <a:fontRef idx="minor">
+            <a:schemeClr val="dk1"/>
+          </a:fontRef>
+        </p:style>
+        <p:txBody>
+          <a:bodyPr wrap="square" rtlCol="0">
+            <a:spAutoFit/>
+          </a:bodyPr>
+          <a:lstStyle/>
+          <a:p>
+            <a:pPr algn="ctr"/>
+            <a:r>
+              <a:rPr lang="en-US" sz="1000" b="1" dirty="0">
+                <a:solidFill>
+                  <a:schemeClr val="tx1"/>
+                </a:solidFill>
+              </a:rPr>
+              <a:t>Namex API</a:t>
+            </a:r>
+            <a:endParaRPr lang="en-US" sz="1000" i="1" dirty="0">
+              <a:solidFill>
+                <a:schemeClr val="tx1"/>
+              </a:solidFill>
+            </a:endParaRPr>
+          </a:p>
+        </p:txBody>
+      </p:sp>
+      <p:sp>
+        <p:nvSpPr>
+          <p:cNvPr id="49" name="TextBox 48">
+            <a:extLst>
+              <a:ext uri="{FF2B5EF4-FFF2-40B4-BE49-F238E27FC236}">
+                <a16:creationId xmlns:a16="http://schemas.microsoft.com/office/drawing/2014/main" id="{B97B3FC2-97FD-16B5-2BCD-F09EA3D2A90F}"/>
+              </a:ext>
+            </a:extLst>
+          </p:cNvPr>
+          <p:cNvSpPr txBox="1">
+            <a:spLocks noChangeAspect="1"/>
+          </p:cNvSpPr>
+          <p:nvPr/>
+        </p:nvSpPr>
+        <p:spPr>
+          <a:xfrm>
+            <a:off x="1733933" y="2379954"/>
+            <a:ext cx="1749600" cy="244800"/>
+          </a:xfrm>
+          <a:prstGeom prst="rect">
+            <a:avLst/>
+          </a:prstGeom>
+          <a:ln w="28575">
+            <a:solidFill>
+              <a:schemeClr val="tx1"/>
+            </a:solidFill>
+          </a:ln>
+        </p:spPr>
+        <p:style>
+          <a:lnRef idx="2">
+            <a:schemeClr val="dk1"/>
+          </a:lnRef>
+          <a:fillRef idx="1">
+            <a:schemeClr val="lt1"/>
+          </a:fillRef>
+          <a:effectRef idx="0">
+            <a:schemeClr val="dk1"/>
+          </a:effectRef>
+          <a:fontRef idx="minor">
+            <a:schemeClr val="dk1"/>
+          </a:fontRef>
+        </p:style>
+        <p:txBody>
+          <a:bodyPr wrap="square" rtlCol="0">
+            <a:spAutoFit/>
+          </a:bodyPr>
+          <a:lstStyle/>
+          <a:p>
+            <a:pPr algn="ctr"/>
+            <a:r>
+              <a:rPr lang="en-US" sz="1000" b="1" dirty="0">
+                <a:solidFill>
+                  <a:schemeClr val="tx1"/>
+                </a:solidFill>
+              </a:rPr>
+              <a:t>Auth API</a:t>
+            </a:r>
+            <a:endParaRPr lang="en-US" sz="1000" i="1" dirty="0">
+              <a:solidFill>
+                <a:schemeClr val="tx1"/>
+              </a:solidFill>
+            </a:endParaRPr>
+          </a:p>
+        </p:txBody>
+      </p:sp>
+      <p:cxnSp>
+        <p:nvCxnSpPr>
+          <p:cNvPr id="57" name="Connector: Elbow 56">
+            <a:extLst>
+              <a:ext uri="{FF2B5EF4-FFF2-40B4-BE49-F238E27FC236}">
+                <a16:creationId xmlns:a16="http://schemas.microsoft.com/office/drawing/2014/main" id="{A13E327E-1376-A71C-180B-DA6349E860A6}"/>
+              </a:ext>
+            </a:extLst>
+          </p:cNvPr>
+          <p:cNvCxnSpPr>
+            <a:cxnSpLocks/>
+            <a:stCxn id="12" idx="3"/>
+            <a:endCxn id="33" idx="1"/>
+          </p:cNvCxnSpPr>
+          <p:nvPr/>
+        </p:nvCxnSpPr>
+        <p:spPr>
+          <a:xfrm flipV="1">
+            <a:off x="6096000" y="3101480"/>
+            <a:ext cx="1215235" cy="328232"/>
+          </a:xfrm>
+          <a:prstGeom prst="bentConnector3">
+            <a:avLst>
+              <a:gd name="adj1" fmla="val 50000"/>
+            </a:avLst>
+          </a:prstGeom>
+          <a:ln w="38100">
+            <a:solidFill>
+              <a:schemeClr val="accent2"/>
+            </a:solidFill>
+            <a:tailEnd type="triangle"/>
+          </a:ln>
+        </p:spPr>
+        <p:style>
+          <a:lnRef idx="1">
+            <a:schemeClr val="accent1"/>
+          </a:lnRef>
+          <a:fillRef idx="0">
+            <a:schemeClr val="accent1"/>
+          </a:fillRef>
+          <a:effectRef idx="0">
+            <a:schemeClr val="accent1"/>
+          </a:effectRef>
+          <a:fontRef idx="minor">
+            <a:schemeClr val="tx1"/>
+          </a:fontRef>
+        </p:style>
+      </p:cxnSp>
+      <p:cxnSp>
+        <p:nvCxnSpPr>
+          <p:cNvPr id="62" name="Connector: Elbow 61">
+            <a:extLst>
+              <a:ext uri="{FF2B5EF4-FFF2-40B4-BE49-F238E27FC236}">
+                <a16:creationId xmlns:a16="http://schemas.microsoft.com/office/drawing/2014/main" id="{491CA2D0-BA6A-435E-663B-1249B3258DA7}"/>
+              </a:ext>
+            </a:extLst>
+          </p:cNvPr>
+          <p:cNvCxnSpPr>
+            <a:cxnSpLocks/>
+            <a:stCxn id="5" idx="3"/>
+            <a:endCxn id="33" idx="1"/>
+          </p:cNvCxnSpPr>
+          <p:nvPr/>
+        </p:nvCxnSpPr>
+        <p:spPr>
+          <a:xfrm flipV="1">
+            <a:off x="6096000" y="3101480"/>
+            <a:ext cx="1215235" cy="791911"/>
+          </a:xfrm>
+          <a:prstGeom prst="bentConnector3">
+            <a:avLst>
+              <a:gd name="adj1" fmla="val 50000"/>
+            </a:avLst>
+          </a:prstGeom>
+          <a:ln w="38100">
+            <a:solidFill>
+              <a:schemeClr val="accent2"/>
+            </a:solidFill>
+            <a:tailEnd type="triangle"/>
+          </a:ln>
+        </p:spPr>
+        <p:style>
+          <a:lnRef idx="1">
+            <a:schemeClr val="accent1"/>
+          </a:lnRef>
+          <a:fillRef idx="0">
+            <a:schemeClr val="accent1"/>
+          </a:fillRef>
+          <a:effectRef idx="0">
+            <a:schemeClr val="accent1"/>
+          </a:effectRef>
+          <a:fontRef idx="minor">
+            <a:schemeClr val="tx1"/>
+          </a:fontRef>
+        </p:style>
+      </p:cxnSp>
+      <p:cxnSp>
+        <p:nvCxnSpPr>
+          <p:cNvPr id="449" name="Connector: Elbow 448">
+            <a:extLst>
+              <a:ext uri="{FF2B5EF4-FFF2-40B4-BE49-F238E27FC236}">
+                <a16:creationId xmlns:a16="http://schemas.microsoft.com/office/drawing/2014/main" id="{A7B477E2-DB85-54F5-44DD-D634149E1134}"/>
+              </a:ext>
+            </a:extLst>
+          </p:cNvPr>
+          <p:cNvCxnSpPr>
+            <a:cxnSpLocks/>
+            <a:stCxn id="13" idx="3"/>
+            <a:endCxn id="33" idx="1"/>
+          </p:cNvCxnSpPr>
+          <p:nvPr/>
+        </p:nvCxnSpPr>
+        <p:spPr>
+          <a:xfrm flipV="1">
+            <a:off x="6096000" y="3101480"/>
+            <a:ext cx="1215235" cy="2183659"/>
+          </a:xfrm>
+          <a:prstGeom prst="bentConnector3">
+            <a:avLst>
+              <a:gd name="adj1" fmla="val 50000"/>
+            </a:avLst>
+          </a:prstGeom>
+          <a:ln w="38100">
+            <a:solidFill>
+              <a:schemeClr val="accent2"/>
+            </a:solidFill>
+            <a:tailEnd type="triangle"/>
+          </a:ln>
+        </p:spPr>
+        <p:style>
+          <a:lnRef idx="1">
+            <a:schemeClr val="accent1"/>
+          </a:lnRef>
+          <a:fillRef idx="0">
+            <a:schemeClr val="accent1"/>
+          </a:fillRef>
+          <a:effectRef idx="0">
+            <a:schemeClr val="accent1"/>
+          </a:effectRef>
+          <a:fontRef idx="minor">
+            <a:schemeClr val="tx1"/>
+          </a:fontRef>
+        </p:style>
+      </p:cxnSp>
+      <p:cxnSp>
+        <p:nvCxnSpPr>
+          <p:cNvPr id="453" name="Connector: Elbow 452">
+            <a:extLst>
+              <a:ext uri="{FF2B5EF4-FFF2-40B4-BE49-F238E27FC236}">
+                <a16:creationId xmlns:a16="http://schemas.microsoft.com/office/drawing/2014/main" id="{3C76124A-CA07-8A11-9167-B9CE98CFC0F0}"/>
+              </a:ext>
+            </a:extLst>
+          </p:cNvPr>
+          <p:cNvCxnSpPr>
+            <a:cxnSpLocks/>
+            <a:stCxn id="7" idx="3"/>
+            <a:endCxn id="33" idx="1"/>
+          </p:cNvCxnSpPr>
+          <p:nvPr/>
+        </p:nvCxnSpPr>
+        <p:spPr>
+          <a:xfrm flipV="1">
+            <a:off x="6096000" y="3101480"/>
+            <a:ext cx="1215235" cy="1719269"/>
+          </a:xfrm>
+          <a:prstGeom prst="bentConnector3">
+            <a:avLst>
+              <a:gd name="adj1" fmla="val 50000"/>
+            </a:avLst>
+          </a:prstGeom>
+          <a:ln w="38100">
+            <a:solidFill>
+              <a:schemeClr val="accent2"/>
+            </a:solidFill>
+            <a:tailEnd type="triangle"/>
+          </a:ln>
+        </p:spPr>
+        <p:style>
+          <a:lnRef idx="1">
+            <a:schemeClr val="accent1"/>
+          </a:lnRef>
+          <a:fillRef idx="0">
+            <a:schemeClr val="accent1"/>
+          </a:fillRef>
+          <a:effectRef idx="0">
+            <a:schemeClr val="accent1"/>
+          </a:effectRef>
+          <a:fontRef idx="minor">
+            <a:schemeClr val="tx1"/>
+          </a:fontRef>
+        </p:style>
+      </p:cxnSp>
+      <p:cxnSp>
+        <p:nvCxnSpPr>
+          <p:cNvPr id="456" name="Connector: Elbow 455">
+            <a:extLst>
+              <a:ext uri="{FF2B5EF4-FFF2-40B4-BE49-F238E27FC236}">
+                <a16:creationId xmlns:a16="http://schemas.microsoft.com/office/drawing/2014/main" id="{F59000AD-3D55-4FC8-5D3F-2140DCEB5ED0}"/>
+              </a:ext>
+            </a:extLst>
+          </p:cNvPr>
+          <p:cNvCxnSpPr>
+            <a:cxnSpLocks/>
+            <a:stCxn id="6" idx="3"/>
+            <a:endCxn id="33" idx="1"/>
+          </p:cNvCxnSpPr>
+          <p:nvPr/>
+        </p:nvCxnSpPr>
+        <p:spPr>
+          <a:xfrm flipV="1">
+            <a:off x="6096000" y="3101480"/>
+            <a:ext cx="1215235" cy="1255590"/>
+          </a:xfrm>
+          <a:prstGeom prst="bentConnector3">
+            <a:avLst>
+              <a:gd name="adj1" fmla="val 50000"/>
+            </a:avLst>
+          </a:prstGeom>
+          <a:ln w="38100">
+            <a:solidFill>
+              <a:schemeClr val="accent2"/>
+            </a:solidFill>
+            <a:tailEnd type="triangle"/>
+          </a:ln>
+        </p:spPr>
+        <p:style>
+          <a:lnRef idx="1">
+            <a:schemeClr val="accent1"/>
+          </a:lnRef>
+          <a:fillRef idx="0">
+            <a:schemeClr val="accent1"/>
+          </a:fillRef>
+          <a:effectRef idx="0">
+            <a:schemeClr val="accent1"/>
+          </a:effectRef>
+          <a:fontRef idx="minor">
+            <a:schemeClr val="tx1"/>
+          </a:fontRef>
+        </p:style>
+      </p:cxnSp>
+      <p:cxnSp>
+        <p:nvCxnSpPr>
+          <p:cNvPr id="461" name="Straight Arrow Connector 460">
+            <a:extLst>
+              <a:ext uri="{FF2B5EF4-FFF2-40B4-BE49-F238E27FC236}">
+                <a16:creationId xmlns:a16="http://schemas.microsoft.com/office/drawing/2014/main" id="{3492B50D-3A22-E3D9-90E0-BC5DF53C85D4}"/>
+              </a:ext>
+            </a:extLst>
+          </p:cNvPr>
+          <p:cNvCxnSpPr>
+            <a:cxnSpLocks/>
+            <a:stCxn id="33" idx="3"/>
+            <a:endCxn id="489" idx="1"/>
+          </p:cNvCxnSpPr>
+          <p:nvPr/>
+        </p:nvCxnSpPr>
+        <p:spPr>
+          <a:xfrm flipV="1">
+            <a:off x="8164354" y="3089845"/>
+            <a:ext cx="1023720" cy="11635"/>
+          </a:xfrm>
+          <a:prstGeom prst="straightConnector1">
+            <a:avLst/>
+          </a:prstGeom>
+          <a:ln w="38100">
+            <a:solidFill>
+              <a:schemeClr val="accent2"/>
+            </a:solidFill>
+            <a:tailEnd type="triangle"/>
+          </a:ln>
+        </p:spPr>
+        <p:style>
+          <a:lnRef idx="1">
+            <a:schemeClr val="accent1"/>
+          </a:lnRef>
+          <a:fillRef idx="0">
+            <a:schemeClr val="accent1"/>
+          </a:fillRef>
+          <a:effectRef idx="0">
+            <a:schemeClr val="accent1"/>
+          </a:effectRef>
+          <a:fontRef idx="minor">
+            <a:schemeClr val="tx1"/>
+          </a:fontRef>
+        </p:style>
+      </p:cxnSp>
+      <p:cxnSp>
+        <p:nvCxnSpPr>
+          <p:cNvPr id="462" name="Connector: Elbow 461">
+            <a:extLst>
+              <a:ext uri="{FF2B5EF4-FFF2-40B4-BE49-F238E27FC236}">
+                <a16:creationId xmlns:a16="http://schemas.microsoft.com/office/drawing/2014/main" id="{3F3F5051-6F6D-AF92-B676-193A8C99491B}"/>
+              </a:ext>
+            </a:extLst>
+          </p:cNvPr>
+          <p:cNvCxnSpPr>
+            <a:cxnSpLocks/>
+            <a:stCxn id="4" idx="3"/>
+            <a:endCxn id="33" idx="1"/>
+          </p:cNvCxnSpPr>
+          <p:nvPr/>
+        </p:nvCxnSpPr>
+        <p:spPr>
+          <a:xfrm>
+            <a:off x="6096000" y="2502354"/>
+            <a:ext cx="1215235" cy="599126"/>
+          </a:xfrm>
+          <a:prstGeom prst="bentConnector3">
+            <a:avLst>
+              <a:gd name="adj1" fmla="val 50000"/>
+            </a:avLst>
+          </a:prstGeom>
+          <a:ln w="38100">
+            <a:solidFill>
+              <a:schemeClr val="accent2"/>
+            </a:solidFill>
+            <a:tailEnd type="triangle"/>
+          </a:ln>
+        </p:spPr>
+        <p:style>
+          <a:lnRef idx="1">
+            <a:schemeClr val="accent1"/>
+          </a:lnRef>
+          <a:fillRef idx="0">
+            <a:schemeClr val="accent1"/>
+          </a:fillRef>
+          <a:effectRef idx="0">
+            <a:schemeClr val="accent1"/>
+          </a:effectRef>
+          <a:fontRef idx="minor">
+            <a:schemeClr val="tx1"/>
+          </a:fontRef>
+        </p:style>
+      </p:cxnSp>
+      <p:cxnSp>
+        <p:nvCxnSpPr>
+          <p:cNvPr id="474" name="Straight Arrow Connector 473">
+            <a:extLst>
+              <a:ext uri="{FF2B5EF4-FFF2-40B4-BE49-F238E27FC236}">
+                <a16:creationId xmlns:a16="http://schemas.microsoft.com/office/drawing/2014/main" id="{DC508057-4F99-245D-ADF1-F810D85E6C6B}"/>
+              </a:ext>
+            </a:extLst>
+          </p:cNvPr>
+          <p:cNvCxnSpPr>
+            <a:cxnSpLocks/>
+            <a:stCxn id="4" idx="1"/>
+            <a:endCxn id="49" idx="3"/>
+          </p:cNvCxnSpPr>
+          <p:nvPr/>
+        </p:nvCxnSpPr>
+        <p:spPr>
+          <a:xfrm flipH="1">
+            <a:off x="3483533" y="2502354"/>
+            <a:ext cx="862867" cy="0"/>
+          </a:xfrm>
+          <a:prstGeom prst="straightConnector1">
+            <a:avLst/>
+          </a:prstGeom>
+          <a:ln w="38100">
+            <a:solidFill>
+              <a:schemeClr val="accent2"/>
+            </a:solidFill>
+            <a:tailEnd type="triangle"/>
+          </a:ln>
+        </p:spPr>
+        <p:style>
+          <a:lnRef idx="1">
+            <a:schemeClr val="accent1"/>
+          </a:lnRef>
+          <a:fillRef idx="0">
+            <a:schemeClr val="accent1"/>
+          </a:fillRef>
+          <a:effectRef idx="0">
+            <a:schemeClr val="accent1"/>
+          </a:effectRef>
+          <a:fontRef idx="minor">
+            <a:schemeClr val="tx1"/>
+          </a:fontRef>
+        </p:style>
+      </p:cxnSp>
+      <p:cxnSp>
+        <p:nvCxnSpPr>
+          <p:cNvPr id="482" name="Straight Arrow Connector 481">
+            <a:extLst>
+              <a:ext uri="{FF2B5EF4-FFF2-40B4-BE49-F238E27FC236}">
+                <a16:creationId xmlns:a16="http://schemas.microsoft.com/office/drawing/2014/main" id="{DE66EFA4-496F-300B-3572-E8AC3E02457A}"/>
+              </a:ext>
+            </a:extLst>
+          </p:cNvPr>
+          <p:cNvCxnSpPr>
+            <a:cxnSpLocks/>
+            <a:stCxn id="8" idx="1"/>
+            <a:endCxn id="43" idx="3"/>
+          </p:cNvCxnSpPr>
+          <p:nvPr/>
+        </p:nvCxnSpPr>
+        <p:spPr>
+          <a:xfrm flipH="1">
+            <a:off x="3483533" y="2038675"/>
+            <a:ext cx="862867" cy="0"/>
+          </a:xfrm>
+          <a:prstGeom prst="straightConnector1">
+            <a:avLst/>
+          </a:prstGeom>
+          <a:ln w="38100">
+            <a:solidFill>
+              <a:schemeClr val="accent2"/>
+            </a:solidFill>
+            <a:tailEnd type="triangle"/>
+          </a:ln>
+        </p:spPr>
+        <p:style>
+          <a:lnRef idx="1">
+            <a:schemeClr val="accent1"/>
+          </a:lnRef>
+          <a:fillRef idx="0">
+            <a:schemeClr val="accent1"/>
+          </a:fillRef>
+          <a:effectRef idx="0">
+            <a:schemeClr val="accent1"/>
+          </a:effectRef>
+          <a:fontRef idx="minor">
+            <a:schemeClr val="tx1"/>
+          </a:fontRef>
+        </p:style>
+      </p:cxnSp>
+      <p:sp>
+        <p:nvSpPr>
+          <p:cNvPr id="486" name="TextBox 485">
+            <a:extLst>
+              <a:ext uri="{FF2B5EF4-FFF2-40B4-BE49-F238E27FC236}">
+                <a16:creationId xmlns:a16="http://schemas.microsoft.com/office/drawing/2014/main" id="{250D6744-6027-85B4-B97D-0CE3B1D7C6EF}"/>
+              </a:ext>
+            </a:extLst>
+          </p:cNvPr>
+          <p:cNvSpPr txBox="1">
+            <a:spLocks/>
+          </p:cNvSpPr>
+          <p:nvPr/>
+        </p:nvSpPr>
+        <p:spPr>
+          <a:xfrm>
+            <a:off x="4346400" y="1451175"/>
+            <a:ext cx="1749600" cy="246221"/>
+          </a:xfrm>
+          <a:prstGeom prst="rect">
+            <a:avLst/>
+          </a:prstGeom>
+          <a:ln w="28575">
+            <a:solidFill>
+              <a:schemeClr val="tx1"/>
+            </a:solidFill>
+          </a:ln>
+        </p:spPr>
+        <p:style>
+          <a:lnRef idx="2">
+            <a:schemeClr val="dk1"/>
+          </a:lnRef>
+          <a:fillRef idx="1">
+            <a:schemeClr val="lt1"/>
+          </a:fillRef>
+          <a:effectRef idx="0">
+            <a:schemeClr val="dk1"/>
+          </a:effectRef>
+          <a:fontRef idx="minor">
+            <a:schemeClr val="dk1"/>
+          </a:fontRef>
+        </p:style>
+        <p:txBody>
+          <a:bodyPr wrap="none" rtlCol="0">
+            <a:spAutoFit/>
+          </a:bodyPr>
+          <a:lstStyle/>
+          <a:p>
+            <a:pPr algn="ctr"/>
+            <a:r>
+              <a:rPr lang="en-US" sz="1000" b="1" dirty="0">
+                <a:solidFill>
+                  <a:schemeClr val="tx1"/>
+                </a:solidFill>
+              </a:rPr>
+              <a:t>Business Search UI</a:t>
+            </a:r>
+            <a:endParaRPr lang="en-US" sz="1000" i="1" dirty="0">
+              <a:solidFill>
+                <a:schemeClr val="tx1"/>
+              </a:solidFill>
+            </a:endParaRPr>
+          </a:p>
+        </p:txBody>
+      </p:sp>
+      <p:cxnSp>
+        <p:nvCxnSpPr>
+          <p:cNvPr id="487" name="Connector: Elbow 486">
+            <a:extLst>
+              <a:ext uri="{FF2B5EF4-FFF2-40B4-BE49-F238E27FC236}">
+                <a16:creationId xmlns:a16="http://schemas.microsoft.com/office/drawing/2014/main" id="{CA622310-B6A5-1408-C915-FE3ABDDD1CF2}"/>
+              </a:ext>
+            </a:extLst>
+          </p:cNvPr>
+          <p:cNvCxnSpPr>
+            <a:cxnSpLocks/>
+            <a:stCxn id="486" idx="3"/>
+            <a:endCxn id="33" idx="1"/>
+          </p:cNvCxnSpPr>
+          <p:nvPr/>
+        </p:nvCxnSpPr>
+        <p:spPr>
+          <a:xfrm>
+            <a:off x="6096000" y="1574286"/>
+            <a:ext cx="1215235" cy="1527194"/>
+          </a:xfrm>
+          <a:prstGeom prst="bentConnector3">
+            <a:avLst>
+              <a:gd name="adj1" fmla="val 50000"/>
+            </a:avLst>
+          </a:prstGeom>
+          <a:ln w="38100">
+            <a:solidFill>
+              <a:schemeClr val="accent2"/>
+            </a:solidFill>
+            <a:tailEnd type="triangle"/>
+          </a:ln>
+        </p:spPr>
+        <p:style>
+          <a:lnRef idx="1">
+            <a:schemeClr val="accent1"/>
+          </a:lnRef>
+          <a:fillRef idx="0">
+            <a:schemeClr val="accent1"/>
+          </a:fillRef>
+          <a:effectRef idx="0">
+            <a:schemeClr val="accent1"/>
+          </a:effectRef>
+          <a:fontRef idx="minor">
+            <a:schemeClr val="tx1"/>
+          </a:fontRef>
+        </p:style>
+      </p:cxnSp>
+      <p:cxnSp>
+        <p:nvCxnSpPr>
+          <p:cNvPr id="494" name="Connector: Elbow 493">
+            <a:extLst>
+              <a:ext uri="{FF2B5EF4-FFF2-40B4-BE49-F238E27FC236}">
+                <a16:creationId xmlns:a16="http://schemas.microsoft.com/office/drawing/2014/main" id="{706A3E5F-6960-49BC-9298-98627736161D}"/>
+              </a:ext>
+            </a:extLst>
+          </p:cNvPr>
+          <p:cNvCxnSpPr>
+            <a:cxnSpLocks/>
+            <a:stCxn id="8" idx="3"/>
+            <a:endCxn id="33" idx="1"/>
+          </p:cNvCxnSpPr>
+          <p:nvPr/>
+        </p:nvCxnSpPr>
+        <p:spPr>
+          <a:xfrm>
+            <a:off x="6096000" y="2038675"/>
+            <a:ext cx="1215235" cy="1062805"/>
+          </a:xfrm>
+          <a:prstGeom prst="bentConnector3">
+            <a:avLst>
+              <a:gd name="adj1" fmla="val 50000"/>
+            </a:avLst>
+          </a:prstGeom>
+          <a:ln w="38100">
+            <a:solidFill>
+              <a:schemeClr val="accent2"/>
+            </a:solidFill>
+            <a:tailEnd type="triangle"/>
+          </a:ln>
+        </p:spPr>
+        <p:style>
+          <a:lnRef idx="1">
+            <a:schemeClr val="accent1"/>
+          </a:lnRef>
+          <a:fillRef idx="0">
+            <a:schemeClr val="accent1"/>
+          </a:fillRef>
+          <a:effectRef idx="0">
+            <a:schemeClr val="accent1"/>
+          </a:effectRef>
+          <a:fontRef idx="minor">
+            <a:schemeClr val="tx1"/>
+          </a:fontRef>
+        </p:style>
+      </p:cxnSp>
+      <p:cxnSp>
+        <p:nvCxnSpPr>
+          <p:cNvPr id="497" name="Connector: Elbow 496">
+            <a:extLst>
+              <a:ext uri="{FF2B5EF4-FFF2-40B4-BE49-F238E27FC236}">
+                <a16:creationId xmlns:a16="http://schemas.microsoft.com/office/drawing/2014/main" id="{E4E47D67-9426-5374-9974-2F475CB3BF5D}"/>
+              </a:ext>
+            </a:extLst>
+          </p:cNvPr>
+          <p:cNvCxnSpPr>
+            <a:cxnSpLocks/>
+            <a:stCxn id="49" idx="2"/>
+            <a:endCxn id="33" idx="2"/>
+          </p:cNvCxnSpPr>
+          <p:nvPr/>
+        </p:nvCxnSpPr>
+        <p:spPr>
+          <a:xfrm rot="16200000" flipH="1">
+            <a:off x="4873346" y="360141"/>
+            <a:ext cx="599836" cy="5129062"/>
+          </a:xfrm>
+          <a:prstGeom prst="bentConnector3">
+            <a:avLst>
+              <a:gd name="adj1" fmla="val 501229"/>
+            </a:avLst>
+          </a:prstGeom>
+          <a:ln w="38100">
+            <a:solidFill>
+              <a:schemeClr val="accent2"/>
+            </a:solidFill>
+            <a:headEnd type="triangle"/>
+            <a:tailEnd type="triangle"/>
+          </a:ln>
+        </p:spPr>
+        <p:style>
+          <a:lnRef idx="1">
+            <a:schemeClr val="accent1"/>
+          </a:lnRef>
+          <a:fillRef idx="0">
+            <a:schemeClr val="accent1"/>
+          </a:fillRef>
+          <a:effectRef idx="0">
+            <a:schemeClr val="accent1"/>
+          </a:effectRef>
+          <a:fontRef idx="minor">
+            <a:schemeClr val="tx1"/>
+          </a:fontRef>
+        </p:style>
+      </p:cxnSp>
+      <p:cxnSp>
+        <p:nvCxnSpPr>
+          <p:cNvPr id="3" name="Connector: Elbow 2">
+            <a:extLst>
+              <a:ext uri="{FF2B5EF4-FFF2-40B4-BE49-F238E27FC236}">
+                <a16:creationId xmlns:a16="http://schemas.microsoft.com/office/drawing/2014/main" id="{F397BEA1-A9F2-E868-682C-18C7B733F1B5}"/>
+              </a:ext>
+            </a:extLst>
+          </p:cNvPr>
+          <p:cNvCxnSpPr>
+            <a:cxnSpLocks/>
+            <a:stCxn id="43" idx="1"/>
+            <a:endCxn id="33" idx="2"/>
+          </p:cNvCxnSpPr>
+          <p:nvPr/>
+        </p:nvCxnSpPr>
+        <p:spPr>
+          <a:xfrm rot="10800000" flipH="1" flipV="1">
+            <a:off x="1733933" y="2038674"/>
+            <a:ext cx="6003862" cy="1185915"/>
+          </a:xfrm>
+          <a:prstGeom prst="bentConnector4">
+            <a:avLst>
+              <a:gd name="adj1" fmla="val -3808"/>
+              <a:gd name="adj2" fmla="val 324601"/>
+            </a:avLst>
+          </a:prstGeom>
+          <a:ln w="38100">
+            <a:solidFill>
+              <a:schemeClr val="accent2"/>
+            </a:solidFill>
+            <a:headEnd type="triangle"/>
+            <a:tailEnd type="triangle"/>
+          </a:ln>
+        </p:spPr>
+        <p:style>
+          <a:lnRef idx="1">
+            <a:schemeClr val="accent1"/>
+          </a:lnRef>
+          <a:fillRef idx="0">
+            <a:schemeClr val="accent1"/>
+          </a:fillRef>
+          <a:effectRef idx="0">
+            <a:schemeClr val="accent1"/>
+          </a:effectRef>
+          <a:fontRef idx="minor">
+            <a:schemeClr val="tx1"/>
+          </a:fontRef>
+        </p:style>
+      </p:cxnSp>
       <p:grpSp>
         <p:nvGrpSpPr>
-          <p:cNvPr id="11" name="Group 10">
-            <a:extLst>
-              <a:ext uri="{FF2B5EF4-FFF2-40B4-BE49-F238E27FC236}">
-                <a16:creationId xmlns:a16="http://schemas.microsoft.com/office/drawing/2014/main" id="{1FCECCE4-4418-3DC4-600F-E0E07838747D}"/>
+          <p:cNvPr id="30" name="Group 29">
+            <a:extLst>
+              <a:ext uri="{FF2B5EF4-FFF2-40B4-BE49-F238E27FC236}">
+                <a16:creationId xmlns:a16="http://schemas.microsoft.com/office/drawing/2014/main" id="{72CDD066-947F-76D6-1A62-F3003C3BAAFF}"/>
               </a:ext>
             </a:extLst>
           </p:cNvPr>
@@ -3818,18 +5322,18 @@
         </p:nvGrpSpPr>
         <p:grpSpPr>
           <a:xfrm>
-            <a:off x="1733932" y="1451175"/>
-            <a:ext cx="8724136" cy="3957074"/>
-            <a:chOff x="2000073" y="1451175"/>
-            <a:chExt cx="8724136" cy="3957074"/>
+            <a:off x="9710055" y="5140338"/>
+            <a:ext cx="1333429" cy="492441"/>
+            <a:chOff x="9710055" y="5140338"/>
+            <a:chExt cx="1333429" cy="492441"/>
           </a:xfrm>
         </p:grpSpPr>
         <p:sp>
           <p:nvSpPr>
-            <p:cNvPr id="33" name="TextBox 32">
+            <p:cNvPr id="10" name="TextBox 9">
               <a:extLst>
                 <a:ext uri="{FF2B5EF4-FFF2-40B4-BE49-F238E27FC236}">
-                  <a16:creationId xmlns:a16="http://schemas.microsoft.com/office/drawing/2014/main" id="{9D1391EA-5F11-5B69-4A9A-2DC1A50BF3BD}"/>
+                  <a16:creationId xmlns:a16="http://schemas.microsoft.com/office/drawing/2014/main" id="{82125FD0-E7CF-9056-A3F8-82CC557F1A64}"/>
                 </a:ext>
               </a:extLst>
             </p:cNvPr>
@@ -3838,8 +5342,8 @@
           </p:nvSpPr>
           <p:spPr>
             <a:xfrm>
-              <a:off x="7577376" y="2978369"/>
-              <a:ext cx="1560042" cy="553998"/>
+              <a:off x="10458067" y="5263448"/>
+              <a:ext cx="585417" cy="246221"/>
             </a:xfrm>
             <a:prstGeom prst="rect">
               <a:avLst/>
@@ -3876,295 +5380,7 @@
                     <a:schemeClr val="tx1"/>
                   </a:solidFill>
                 </a:rPr>
-                <a:t>Business Registry</a:t>
-              </a:r>
-            </a:p>
-            <a:p>
-              <a:r>
-                <a:rPr lang="en-US" sz="1000" i="1" dirty="0">
-                  <a:solidFill>
-                    <a:schemeClr val="tx1"/>
-                  </a:solidFill>
-                </a:rPr>
-                <a:t>Business API, Emailer, Filer</a:t>
-              </a:r>
-            </a:p>
-            <a:p>
-              <a:r>
-                <a:rPr lang="en-US" sz="1000" i="1" dirty="0">
-                  <a:solidFill>
-                    <a:schemeClr val="tx1"/>
-                  </a:solidFill>
-                </a:rPr>
-                <a:t>COLIN sync, jobs, </a:t>
-              </a:r>
-              <a:r>
-                <a:rPr lang="en-US" sz="1000" i="1" dirty="0" err="1">
-                  <a:solidFill>
-                    <a:schemeClr val="tx1"/>
-                  </a:solidFill>
-                </a:rPr>
-                <a:t>etc</a:t>
-              </a:r>
-              <a:endParaRPr lang="en-US" sz="1000" i="1" dirty="0">
-                <a:solidFill>
-                  <a:schemeClr val="tx1"/>
-                </a:solidFill>
-              </a:endParaRPr>
-            </a:p>
-          </p:txBody>
-        </p:sp>
-        <p:sp>
-          <p:nvSpPr>
-            <p:cNvPr id="12" name="TextBox 11">
-              <a:extLst>
-                <a:ext uri="{FF2B5EF4-FFF2-40B4-BE49-F238E27FC236}">
-                  <a16:creationId xmlns:a16="http://schemas.microsoft.com/office/drawing/2014/main" id="{02E4C5BE-75F5-D1D4-EA17-3C37EDAF0EB8}"/>
-                </a:ext>
-              </a:extLst>
-            </p:cNvPr>
-            <p:cNvSpPr txBox="1">
-              <a:spLocks noChangeAspect="1"/>
-            </p:cNvSpPr>
-            <p:nvPr/>
-          </p:nvSpPr>
-          <p:spPr>
-            <a:xfrm>
-              <a:off x="4612541" y="3307312"/>
-              <a:ext cx="1749600" cy="244800"/>
-            </a:xfrm>
-            <a:prstGeom prst="rect">
-              <a:avLst/>
-            </a:prstGeom>
-            <a:ln w="28575">
-              <a:solidFill>
-                <a:schemeClr val="tx1"/>
-              </a:solidFill>
-            </a:ln>
-          </p:spPr>
-          <p:style>
-            <a:lnRef idx="2">
-              <a:schemeClr val="dk1"/>
-            </a:lnRef>
-            <a:fillRef idx="1">
-              <a:schemeClr val="lt1"/>
-            </a:fillRef>
-            <a:effectRef idx="0">
-              <a:schemeClr val="dk1"/>
-            </a:effectRef>
-            <a:fontRef idx="minor">
-              <a:schemeClr val="dk1"/>
-            </a:fontRef>
-          </p:style>
-          <p:txBody>
-            <a:bodyPr wrap="square" rtlCol="0">
-              <a:spAutoFit/>
-            </a:bodyPr>
-            <a:lstStyle/>
-            <a:p>
-              <a:pPr algn="ctr"/>
-              <a:r>
-                <a:rPr lang="en-US" sz="1000" b="1" dirty="0">
-                  <a:solidFill>
-                    <a:schemeClr val="tx1"/>
-                  </a:solidFill>
-                </a:rPr>
-                <a:t>Business Dashboard UI</a:t>
-              </a:r>
-              <a:endParaRPr lang="en-US" sz="1000" i="1" dirty="0">
-                <a:solidFill>
-                  <a:schemeClr val="tx1"/>
-                </a:solidFill>
-              </a:endParaRPr>
-            </a:p>
-          </p:txBody>
-        </p:sp>
-        <p:sp>
-          <p:nvSpPr>
-            <p:cNvPr id="5" name="TextBox 4">
-              <a:extLst>
-                <a:ext uri="{FF2B5EF4-FFF2-40B4-BE49-F238E27FC236}">
-                  <a16:creationId xmlns:a16="http://schemas.microsoft.com/office/drawing/2014/main" id="{C3C93DF1-399E-457D-AFEF-704EEC9685EA}"/>
-                </a:ext>
-              </a:extLst>
-            </p:cNvPr>
-            <p:cNvSpPr txBox="1">
-              <a:spLocks noChangeAspect="1"/>
-            </p:cNvSpPr>
-            <p:nvPr/>
-          </p:nvSpPr>
-          <p:spPr>
-            <a:xfrm>
-              <a:off x="4612541" y="3770991"/>
-              <a:ext cx="1749600" cy="244800"/>
-            </a:xfrm>
-            <a:prstGeom prst="rect">
-              <a:avLst/>
-            </a:prstGeom>
-            <a:ln w="28575">
-              <a:solidFill>
-                <a:schemeClr val="tx1"/>
-              </a:solidFill>
-            </a:ln>
-          </p:spPr>
-          <p:style>
-            <a:lnRef idx="2">
-              <a:schemeClr val="dk1"/>
-            </a:lnRef>
-            <a:fillRef idx="1">
-              <a:schemeClr val="lt1"/>
-            </a:fillRef>
-            <a:effectRef idx="0">
-              <a:schemeClr val="dk1"/>
-            </a:effectRef>
-            <a:fontRef idx="minor">
-              <a:schemeClr val="dk1"/>
-            </a:fontRef>
-          </p:style>
-          <p:txBody>
-            <a:bodyPr wrap="square" rtlCol="0">
-              <a:spAutoFit/>
-            </a:bodyPr>
-            <a:lstStyle/>
-            <a:p>
-              <a:pPr algn="ctr"/>
-              <a:r>
-                <a:rPr lang="en-US" sz="1000" b="1" dirty="0">
-                  <a:solidFill>
-                    <a:schemeClr val="tx1"/>
-                  </a:solidFill>
-                </a:rPr>
-                <a:t>Business Filings UI</a:t>
-              </a:r>
-              <a:endParaRPr lang="en-US" sz="1000" i="1" dirty="0">
-                <a:solidFill>
-                  <a:schemeClr val="tx1"/>
-                </a:solidFill>
-              </a:endParaRPr>
-            </a:p>
-          </p:txBody>
-        </p:sp>
-        <p:sp>
-          <p:nvSpPr>
-            <p:cNvPr id="13" name="TextBox 12">
-              <a:extLst>
-                <a:ext uri="{FF2B5EF4-FFF2-40B4-BE49-F238E27FC236}">
-                  <a16:creationId xmlns:a16="http://schemas.microsoft.com/office/drawing/2014/main" id="{32BAC9D9-A763-C943-54EE-1579FC0730ED}"/>
-                </a:ext>
-              </a:extLst>
-            </p:cNvPr>
-            <p:cNvSpPr txBox="1">
-              <a:spLocks noChangeAspect="1"/>
-            </p:cNvSpPr>
-            <p:nvPr/>
-          </p:nvSpPr>
-          <p:spPr>
-            <a:xfrm>
-              <a:off x="4612541" y="5162028"/>
-              <a:ext cx="1749600" cy="246221"/>
-            </a:xfrm>
-            <a:prstGeom prst="rect">
-              <a:avLst/>
-            </a:prstGeom>
-            <a:ln w="28575">
-              <a:solidFill>
-                <a:schemeClr val="tx1"/>
-              </a:solidFill>
-            </a:ln>
-          </p:spPr>
-          <p:style>
-            <a:lnRef idx="2">
-              <a:schemeClr val="dk1"/>
-            </a:lnRef>
-            <a:fillRef idx="1">
-              <a:schemeClr val="lt1"/>
-            </a:fillRef>
-            <a:effectRef idx="0">
-              <a:schemeClr val="dk1"/>
-            </a:effectRef>
-            <a:fontRef idx="minor">
-              <a:schemeClr val="dk1"/>
-            </a:fontRef>
-          </p:style>
-          <p:txBody>
-            <a:bodyPr wrap="none" rtlCol="0">
-              <a:spAutoFit/>
-            </a:bodyPr>
-            <a:lstStyle/>
-            <a:p>
-              <a:pPr algn="ctr"/>
-              <a:r>
-                <a:rPr lang="en-US" sz="1000" b="1" dirty="0">
-                  <a:solidFill>
-                    <a:schemeClr val="tx1"/>
-                  </a:solidFill>
-                </a:rPr>
-                <a:t>Person Roles UI</a:t>
-              </a:r>
-              <a:endParaRPr lang="en-US" sz="1000" i="1" dirty="0">
-                <a:solidFill>
-                  <a:schemeClr val="tx1"/>
-                </a:solidFill>
-              </a:endParaRPr>
-            </a:p>
-          </p:txBody>
-        </p:sp>
-        <p:sp>
-          <p:nvSpPr>
-            <p:cNvPr id="6" name="TextBox 5">
-              <a:extLst>
-                <a:ext uri="{FF2B5EF4-FFF2-40B4-BE49-F238E27FC236}">
-                  <a16:creationId xmlns:a16="http://schemas.microsoft.com/office/drawing/2014/main" id="{F30146CC-2A09-42F7-88C1-7DD004BF8F4A}"/>
-                </a:ext>
-              </a:extLst>
-            </p:cNvPr>
-            <p:cNvSpPr txBox="1">
-              <a:spLocks noChangeAspect="1"/>
-            </p:cNvSpPr>
-            <p:nvPr/>
-          </p:nvSpPr>
-          <p:spPr>
-            <a:xfrm>
-              <a:off x="4612541" y="4234670"/>
-              <a:ext cx="1749600" cy="244800"/>
-            </a:xfrm>
-            <a:prstGeom prst="rect">
-              <a:avLst/>
-            </a:prstGeom>
-            <a:ln w="28575">
-              <a:solidFill>
-                <a:schemeClr val="tx1"/>
-              </a:solidFill>
-            </a:ln>
-          </p:spPr>
-          <p:style>
-            <a:lnRef idx="2">
-              <a:schemeClr val="dk1"/>
-            </a:lnRef>
-            <a:fillRef idx="1">
-              <a:schemeClr val="lt1"/>
-            </a:fillRef>
-            <a:effectRef idx="0">
-              <a:schemeClr val="dk1"/>
-            </a:effectRef>
-            <a:fontRef idx="minor">
-              <a:schemeClr val="dk1"/>
-            </a:fontRef>
-          </p:style>
-          <p:txBody>
-            <a:bodyPr wrap="square" rtlCol="0">
-              <a:spAutoFit/>
-            </a:bodyPr>
-            <a:lstStyle/>
-            <a:p>
-              <a:pPr algn="ctr"/>
-              <a:r>
-                <a:rPr lang="en-US" sz="1000" b="1" dirty="0">
-                  <a:solidFill>
-                    <a:schemeClr val="tx1"/>
-                  </a:solidFill>
-                </a:rPr>
-                <a:t>Business Create UI</a:t>
+                <a:t>Pay API</a:t>
               </a:r>
               <a:endParaRPr lang="en-US" sz="1000" i="1" dirty="0">
                 <a:solidFill>
@@ -4176,29 +5392,26 @@
         </p:sp>
         <p:cxnSp>
           <p:nvCxnSpPr>
-            <p:cNvPr id="277" name="Connector: Elbow 276">
+            <p:cNvPr id="17" name="Straight Arrow Connector 16">
               <a:extLst>
                 <a:ext uri="{FF2B5EF4-FFF2-40B4-BE49-F238E27FC236}">
-                  <a16:creationId xmlns:a16="http://schemas.microsoft.com/office/drawing/2014/main" id="{2C77AB42-FB23-DF0D-A3AC-68A58DE565C1}"/>
+                  <a16:creationId xmlns:a16="http://schemas.microsoft.com/office/drawing/2014/main" id="{F2A2F76B-4E18-41BC-BACD-2909738AE15D}"/>
                 </a:ext>
               </a:extLst>
             </p:cNvPr>
             <p:cNvCxnSpPr>
               <a:cxnSpLocks/>
-              <a:stCxn id="9" idx="3"/>
-              <a:endCxn id="33" idx="1"/>
+              <a:endCxn id="10" idx="1"/>
             </p:cNvCxnSpPr>
             <p:nvPr/>
           </p:nvCxnSpPr>
           <p:spPr>
             <a:xfrm>
-              <a:off x="6362141" y="2966033"/>
-              <a:ext cx="1215235" cy="289335"/>
+              <a:off x="9710055" y="5386558"/>
+              <a:ext cx="748012" cy="1"/>
             </a:xfrm>
-            <a:prstGeom prst="bentConnector3">
-              <a:avLst>
-                <a:gd name="adj1" fmla="val 50000"/>
-              </a:avLst>
+            <a:prstGeom prst="straightConnector1">
+              <a:avLst/>
             </a:prstGeom>
             <a:ln w="38100">
               <a:solidFill>
@@ -4222,474 +5435,25 @@
             </a:fontRef>
           </p:style>
         </p:cxnSp>
-        <p:sp>
-          <p:nvSpPr>
-            <p:cNvPr id="8" name="TextBox 7">
+        <p:cxnSp>
+          <p:nvCxnSpPr>
+            <p:cNvPr id="20" name="Connector: Elbow 19">
               <a:extLst>
                 <a:ext uri="{FF2B5EF4-FFF2-40B4-BE49-F238E27FC236}">
-                  <a16:creationId xmlns:a16="http://schemas.microsoft.com/office/drawing/2014/main" id="{D6CB8EDC-0E78-49DD-B92F-4DF7897A543F}"/>
-                </a:ext>
-              </a:extLst>
-            </p:cNvPr>
-            <p:cNvSpPr txBox="1">
-              <a:spLocks noChangeAspect="1"/>
-            </p:cNvSpPr>
-            <p:nvPr/>
-          </p:nvSpPr>
-          <p:spPr>
-            <a:xfrm>
-              <a:off x="4612541" y="1916275"/>
-              <a:ext cx="1749600" cy="244800"/>
-            </a:xfrm>
-            <a:prstGeom prst="rect">
-              <a:avLst/>
-            </a:prstGeom>
-            <a:ln w="28575">
-              <a:solidFill>
-                <a:schemeClr val="tx1"/>
-              </a:solidFill>
-            </a:ln>
-          </p:spPr>
-          <p:style>
-            <a:lnRef idx="2">
-              <a:schemeClr val="dk1"/>
-            </a:lnRef>
-            <a:fillRef idx="1">
-              <a:schemeClr val="lt1"/>
-            </a:fillRef>
-            <a:effectRef idx="0">
-              <a:schemeClr val="dk1"/>
-            </a:effectRef>
-            <a:fontRef idx="minor">
-              <a:schemeClr val="dk1"/>
-            </a:fontRef>
-          </p:style>
-          <p:txBody>
-            <a:bodyPr wrap="square" rtlCol="0">
-              <a:spAutoFit/>
-            </a:bodyPr>
-            <a:lstStyle/>
-            <a:p>
-              <a:pPr algn="ctr"/>
-              <a:r>
-                <a:rPr lang="en-US" sz="1000" b="1" dirty="0">
-                  <a:solidFill>
-                    <a:schemeClr val="tx1"/>
-                  </a:solidFill>
-                </a:rPr>
-                <a:t>Namerequest UI</a:t>
-              </a:r>
-            </a:p>
-          </p:txBody>
-        </p:sp>
-        <p:sp>
-          <p:nvSpPr>
-            <p:cNvPr id="4" name="TextBox 3">
-              <a:extLst>
-                <a:ext uri="{FF2B5EF4-FFF2-40B4-BE49-F238E27FC236}">
-                  <a16:creationId xmlns:a16="http://schemas.microsoft.com/office/drawing/2014/main" id="{712D4233-AD5E-40F7-9BB0-7A49D1E0ABC7}"/>
-                </a:ext>
-              </a:extLst>
-            </p:cNvPr>
-            <p:cNvSpPr txBox="1">
-              <a:spLocks noChangeAspect="1"/>
-            </p:cNvSpPr>
-            <p:nvPr/>
-          </p:nvSpPr>
-          <p:spPr>
-            <a:xfrm>
-              <a:off x="4612541" y="2379954"/>
-              <a:ext cx="1749600" cy="244800"/>
-            </a:xfrm>
-            <a:prstGeom prst="rect">
-              <a:avLst/>
-            </a:prstGeom>
-            <a:ln w="28575">
-              <a:solidFill>
-                <a:schemeClr val="tx1"/>
-              </a:solidFill>
-            </a:ln>
-          </p:spPr>
-          <p:style>
-            <a:lnRef idx="2">
-              <a:schemeClr val="dk1"/>
-            </a:lnRef>
-            <a:fillRef idx="1">
-              <a:schemeClr val="lt1"/>
-            </a:fillRef>
-            <a:effectRef idx="0">
-              <a:schemeClr val="dk1"/>
-            </a:effectRef>
-            <a:fontRef idx="minor">
-              <a:schemeClr val="dk1"/>
-            </a:fontRef>
-          </p:style>
-          <p:txBody>
-            <a:bodyPr wrap="square" rtlCol="0">
-              <a:spAutoFit/>
-            </a:bodyPr>
-            <a:lstStyle/>
-            <a:p>
-              <a:pPr algn="ctr"/>
-              <a:r>
-                <a:rPr lang="en-US" sz="1000" b="1" dirty="0">
-                  <a:solidFill>
-                    <a:schemeClr val="tx1"/>
-                  </a:solidFill>
-                </a:rPr>
-                <a:t>Auth UI (Auth Web)</a:t>
-              </a:r>
-              <a:endParaRPr lang="en-US" sz="1000" i="1" dirty="0">
-                <a:solidFill>
-                  <a:schemeClr val="tx1"/>
-                </a:solidFill>
-              </a:endParaRPr>
-            </a:p>
-          </p:txBody>
-        </p:sp>
-        <p:sp>
-          <p:nvSpPr>
-            <p:cNvPr id="7" name="TextBox 6">
-              <a:extLst>
-                <a:ext uri="{FF2B5EF4-FFF2-40B4-BE49-F238E27FC236}">
-                  <a16:creationId xmlns:a16="http://schemas.microsoft.com/office/drawing/2014/main" id="{6D559352-F128-4CBE-BF63-E1B8D56C2DBB}"/>
-                </a:ext>
-              </a:extLst>
-            </p:cNvPr>
-            <p:cNvSpPr txBox="1">
-              <a:spLocks noChangeAspect="1"/>
-            </p:cNvSpPr>
-            <p:nvPr/>
-          </p:nvSpPr>
-          <p:spPr>
-            <a:xfrm>
-              <a:off x="4612541" y="4698349"/>
-              <a:ext cx="1749600" cy="244800"/>
-            </a:xfrm>
-            <a:prstGeom prst="rect">
-              <a:avLst/>
-            </a:prstGeom>
-            <a:ln w="28575">
-              <a:solidFill>
-                <a:schemeClr val="tx1"/>
-              </a:solidFill>
-            </a:ln>
-          </p:spPr>
-          <p:style>
-            <a:lnRef idx="2">
-              <a:schemeClr val="dk1"/>
-            </a:lnRef>
-            <a:fillRef idx="1">
-              <a:schemeClr val="lt1"/>
-            </a:fillRef>
-            <a:effectRef idx="0">
-              <a:schemeClr val="dk1"/>
-            </a:effectRef>
-            <a:fontRef idx="minor">
-              <a:schemeClr val="dk1"/>
-            </a:fontRef>
-          </p:style>
-          <p:txBody>
-            <a:bodyPr wrap="square" rtlCol="0">
-              <a:spAutoFit/>
-            </a:bodyPr>
-            <a:lstStyle/>
-            <a:p>
-              <a:pPr algn="ctr"/>
-              <a:r>
-                <a:rPr lang="en-US" sz="1000" b="1" dirty="0">
-                  <a:solidFill>
-                    <a:schemeClr val="tx1"/>
-                  </a:solidFill>
-                </a:rPr>
-                <a:t>Business Edit UI</a:t>
-              </a:r>
-              <a:endParaRPr lang="en-US" sz="1000" i="1" dirty="0">
-                <a:solidFill>
-                  <a:schemeClr val="tx1"/>
-                </a:solidFill>
-              </a:endParaRPr>
-            </a:p>
-          </p:txBody>
-        </p:sp>
-        <p:sp>
-          <p:nvSpPr>
-            <p:cNvPr id="489" name="TextBox 488">
-              <a:extLst>
-                <a:ext uri="{FF2B5EF4-FFF2-40B4-BE49-F238E27FC236}">
-                  <a16:creationId xmlns:a16="http://schemas.microsoft.com/office/drawing/2014/main" id="{1ADAEA0A-1C96-2A66-6519-EBD6692F3B3D}"/>
-                </a:ext>
-              </a:extLst>
-            </p:cNvPr>
-            <p:cNvSpPr txBox="1"/>
-            <p:nvPr/>
-          </p:nvSpPr>
-          <p:spPr>
-            <a:xfrm>
-              <a:off x="9680246" y="3132257"/>
-              <a:ext cx="1043963" cy="246221"/>
-            </a:xfrm>
-            <a:prstGeom prst="rect">
-              <a:avLst/>
-            </a:prstGeom>
-            <a:ln w="28575">
-              <a:solidFill>
-                <a:schemeClr val="tx1"/>
-              </a:solidFill>
-            </a:ln>
-          </p:spPr>
-          <p:style>
-            <a:lnRef idx="2">
-              <a:schemeClr val="dk1"/>
-            </a:lnRef>
-            <a:fillRef idx="1">
-              <a:schemeClr val="lt1"/>
-            </a:fillRef>
-            <a:effectRef idx="0">
-              <a:schemeClr val="dk1"/>
-            </a:effectRef>
-            <a:fontRef idx="minor">
-              <a:schemeClr val="dk1"/>
-            </a:fontRef>
-          </p:style>
-          <p:txBody>
-            <a:bodyPr wrap="square" rtlCol="0">
-              <a:spAutoFit/>
-            </a:bodyPr>
-            <a:lstStyle/>
-            <a:p>
-              <a:pPr algn="ctr"/>
-              <a:r>
-                <a:rPr lang="en-US" sz="1000" b="1" dirty="0">
-                  <a:solidFill>
-                    <a:schemeClr val="tx1"/>
-                  </a:solidFill>
-                </a:rPr>
-                <a:t>COLIN</a:t>
-              </a:r>
-              <a:endParaRPr lang="en-US" sz="1000" i="1" dirty="0">
-                <a:solidFill>
-                  <a:schemeClr val="tx1"/>
-                </a:solidFill>
-              </a:endParaRPr>
-            </a:p>
-          </p:txBody>
-        </p:sp>
-        <p:sp>
-          <p:nvSpPr>
-            <p:cNvPr id="9" name="TextBox 8">
-              <a:extLst>
-                <a:ext uri="{FF2B5EF4-FFF2-40B4-BE49-F238E27FC236}">
-                  <a16:creationId xmlns:a16="http://schemas.microsoft.com/office/drawing/2014/main" id="{2A665410-9244-4F15-657B-3A9E26682345}"/>
-                </a:ext>
-              </a:extLst>
-            </p:cNvPr>
-            <p:cNvSpPr txBox="1">
-              <a:spLocks noChangeAspect="1"/>
-            </p:cNvSpPr>
-            <p:nvPr/>
-          </p:nvSpPr>
-          <p:spPr>
-            <a:xfrm>
-              <a:off x="4612541" y="2843633"/>
-              <a:ext cx="1749600" cy="244800"/>
-            </a:xfrm>
-            <a:prstGeom prst="rect">
-              <a:avLst/>
-            </a:prstGeom>
-            <a:ln w="28575">
-              <a:solidFill>
-                <a:schemeClr val="tx1"/>
-              </a:solidFill>
-            </a:ln>
-          </p:spPr>
-          <p:style>
-            <a:lnRef idx="2">
-              <a:schemeClr val="dk1"/>
-            </a:lnRef>
-            <a:fillRef idx="1">
-              <a:schemeClr val="lt1"/>
-            </a:fillRef>
-            <a:effectRef idx="0">
-              <a:schemeClr val="dk1"/>
-            </a:effectRef>
-            <a:fontRef idx="minor">
-              <a:schemeClr val="dk1"/>
-            </a:fontRef>
-          </p:style>
-          <p:txBody>
-            <a:bodyPr wrap="none" rtlCol="0">
-              <a:spAutoFit/>
-            </a:bodyPr>
-            <a:lstStyle/>
-            <a:p>
-              <a:pPr algn="ctr"/>
-              <a:r>
-                <a:rPr lang="en-US" sz="1000" b="1" dirty="0">
-                  <a:solidFill>
-                    <a:schemeClr val="tx1"/>
-                  </a:solidFill>
-                </a:rPr>
-                <a:t>My Business Registry</a:t>
-              </a:r>
-              <a:endParaRPr lang="en-US" sz="1000" i="1" dirty="0">
-                <a:solidFill>
-                  <a:schemeClr val="tx1"/>
-                </a:solidFill>
-              </a:endParaRPr>
-            </a:p>
-          </p:txBody>
-        </p:sp>
-        <p:sp>
-          <p:nvSpPr>
-            <p:cNvPr id="43" name="TextBox 42">
-              <a:extLst>
-                <a:ext uri="{FF2B5EF4-FFF2-40B4-BE49-F238E27FC236}">
-                  <a16:creationId xmlns:a16="http://schemas.microsoft.com/office/drawing/2014/main" id="{180751B6-72B1-24FC-732F-6DA51A35C9F5}"/>
-                </a:ext>
-              </a:extLst>
-            </p:cNvPr>
-            <p:cNvSpPr txBox="1">
-              <a:spLocks noChangeAspect="1"/>
-            </p:cNvSpPr>
-            <p:nvPr/>
-          </p:nvSpPr>
-          <p:spPr>
-            <a:xfrm>
-              <a:off x="2000074" y="1916275"/>
-              <a:ext cx="1749600" cy="244800"/>
-            </a:xfrm>
-            <a:prstGeom prst="rect">
-              <a:avLst/>
-            </a:prstGeom>
-            <a:ln w="28575">
-              <a:solidFill>
-                <a:schemeClr val="tx1"/>
-              </a:solidFill>
-            </a:ln>
-          </p:spPr>
-          <p:style>
-            <a:lnRef idx="2">
-              <a:schemeClr val="dk1"/>
-            </a:lnRef>
-            <a:fillRef idx="1">
-              <a:schemeClr val="lt1"/>
-            </a:fillRef>
-            <a:effectRef idx="0">
-              <a:schemeClr val="dk1"/>
-            </a:effectRef>
-            <a:fontRef idx="minor">
-              <a:schemeClr val="dk1"/>
-            </a:fontRef>
-          </p:style>
-          <p:txBody>
-            <a:bodyPr wrap="square" rtlCol="0">
-              <a:spAutoFit/>
-            </a:bodyPr>
-            <a:lstStyle/>
-            <a:p>
-              <a:pPr algn="ctr"/>
-              <a:r>
-                <a:rPr lang="en-US" sz="1000" b="1" dirty="0">
-                  <a:solidFill>
-                    <a:schemeClr val="tx1"/>
-                  </a:solidFill>
-                </a:rPr>
-                <a:t>Namex API</a:t>
-              </a:r>
-              <a:endParaRPr lang="en-US" sz="1000" i="1" dirty="0">
-                <a:solidFill>
-                  <a:schemeClr val="tx1"/>
-                </a:solidFill>
-              </a:endParaRPr>
-            </a:p>
-          </p:txBody>
-        </p:sp>
-        <p:sp>
-          <p:nvSpPr>
-            <p:cNvPr id="49" name="TextBox 48">
-              <a:extLst>
-                <a:ext uri="{FF2B5EF4-FFF2-40B4-BE49-F238E27FC236}">
-                  <a16:creationId xmlns:a16="http://schemas.microsoft.com/office/drawing/2014/main" id="{B97B3FC2-97FD-16B5-2BCD-F09EA3D2A90F}"/>
-                </a:ext>
-              </a:extLst>
-            </p:cNvPr>
-            <p:cNvSpPr txBox="1">
-              <a:spLocks noChangeAspect="1"/>
-            </p:cNvSpPr>
-            <p:nvPr/>
-          </p:nvSpPr>
-          <p:spPr>
-            <a:xfrm>
-              <a:off x="2000074" y="2379954"/>
-              <a:ext cx="1749600" cy="244800"/>
-            </a:xfrm>
-            <a:prstGeom prst="rect">
-              <a:avLst/>
-            </a:prstGeom>
-            <a:ln w="28575">
-              <a:solidFill>
-                <a:schemeClr val="tx1"/>
-              </a:solidFill>
-            </a:ln>
-          </p:spPr>
-          <p:style>
-            <a:lnRef idx="2">
-              <a:schemeClr val="dk1"/>
-            </a:lnRef>
-            <a:fillRef idx="1">
-              <a:schemeClr val="lt1"/>
-            </a:fillRef>
-            <a:effectRef idx="0">
-              <a:schemeClr val="dk1"/>
-            </a:effectRef>
-            <a:fontRef idx="minor">
-              <a:schemeClr val="dk1"/>
-            </a:fontRef>
-          </p:style>
-          <p:txBody>
-            <a:bodyPr wrap="square" rtlCol="0">
-              <a:spAutoFit/>
-            </a:bodyPr>
-            <a:lstStyle/>
-            <a:p>
-              <a:pPr algn="ctr"/>
-              <a:r>
-                <a:rPr lang="en-US" sz="1000" b="1" dirty="0">
-                  <a:solidFill>
-                    <a:schemeClr val="tx1"/>
-                  </a:solidFill>
-                </a:rPr>
-                <a:t>Auth API</a:t>
-              </a:r>
-              <a:endParaRPr lang="en-US" sz="1000" i="1" dirty="0">
-                <a:solidFill>
-                  <a:schemeClr val="tx1"/>
-                </a:solidFill>
-              </a:endParaRPr>
-            </a:p>
-          </p:txBody>
-        </p:sp>
-        <p:cxnSp>
-          <p:nvCxnSpPr>
-            <p:cNvPr id="57" name="Connector: Elbow 56">
-              <a:extLst>
-                <a:ext uri="{FF2B5EF4-FFF2-40B4-BE49-F238E27FC236}">
-                  <a16:creationId xmlns:a16="http://schemas.microsoft.com/office/drawing/2014/main" id="{A13E327E-1376-A71C-180B-DA6349E860A6}"/>
+                  <a16:creationId xmlns:a16="http://schemas.microsoft.com/office/drawing/2014/main" id="{95895E98-0E4B-E25A-BC71-0F6B12F4BE8E}"/>
                 </a:ext>
               </a:extLst>
             </p:cNvPr>
             <p:cNvCxnSpPr>
               <a:cxnSpLocks/>
-              <a:stCxn id="12" idx="3"/>
-              <a:endCxn id="33" idx="1"/>
+              <a:endCxn id="10" idx="1"/>
             </p:cNvCxnSpPr>
             <p:nvPr/>
           </p:nvCxnSpPr>
           <p:spPr>
-            <a:xfrm flipV="1">
-              <a:off x="6362141" y="3255368"/>
-              <a:ext cx="1215235" cy="174344"/>
+            <a:xfrm>
+              <a:off x="9710055" y="5140338"/>
+              <a:ext cx="748012" cy="246221"/>
             </a:xfrm>
             <a:prstGeom prst="bentConnector3">
               <a:avLst>
@@ -4720,24 +5484,23 @@
         </p:cxnSp>
         <p:cxnSp>
           <p:nvCxnSpPr>
-            <p:cNvPr id="62" name="Connector: Elbow 61">
+            <p:cNvPr id="24" name="Connector: Elbow 23">
               <a:extLst>
                 <a:ext uri="{FF2B5EF4-FFF2-40B4-BE49-F238E27FC236}">
-                  <a16:creationId xmlns:a16="http://schemas.microsoft.com/office/drawing/2014/main" id="{491CA2D0-BA6A-435E-663B-1249B3258DA7}"/>
+                  <a16:creationId xmlns:a16="http://schemas.microsoft.com/office/drawing/2014/main" id="{034941E1-AAAD-C7B6-8F19-90A6D4AC5D5F}"/>
                 </a:ext>
               </a:extLst>
             </p:cNvPr>
             <p:cNvCxnSpPr>
               <a:cxnSpLocks/>
-              <a:stCxn id="5" idx="3"/>
-              <a:endCxn id="33" idx="1"/>
+              <a:endCxn id="10" idx="1"/>
             </p:cNvCxnSpPr>
             <p:nvPr/>
           </p:nvCxnSpPr>
           <p:spPr>
             <a:xfrm flipV="1">
-              <a:off x="6362141" y="3255368"/>
-              <a:ext cx="1215235" cy="638023"/>
+              <a:off x="9710055" y="5386559"/>
+              <a:ext cx="748012" cy="246220"/>
             </a:xfrm>
             <a:prstGeom prst="bentConnector3">
               <a:avLst>
@@ -4766,597 +5529,45 @@
             </a:fontRef>
           </p:style>
         </p:cxnSp>
-        <p:cxnSp>
-          <p:nvCxnSpPr>
-            <p:cNvPr id="449" name="Connector: Elbow 448">
-              <a:extLst>
-                <a:ext uri="{FF2B5EF4-FFF2-40B4-BE49-F238E27FC236}">
-                  <a16:creationId xmlns:a16="http://schemas.microsoft.com/office/drawing/2014/main" id="{A7B477E2-DB85-54F5-44DD-D634149E1134}"/>
-                </a:ext>
-              </a:extLst>
-            </p:cNvPr>
-            <p:cNvCxnSpPr>
-              <a:cxnSpLocks/>
-              <a:stCxn id="13" idx="3"/>
-              <a:endCxn id="33" idx="1"/>
-            </p:cNvCxnSpPr>
-            <p:nvPr/>
-          </p:nvCxnSpPr>
-          <p:spPr>
-            <a:xfrm flipV="1">
-              <a:off x="6362141" y="3255368"/>
-              <a:ext cx="1215235" cy="2029771"/>
-            </a:xfrm>
-            <a:prstGeom prst="bentConnector3">
-              <a:avLst>
-                <a:gd name="adj1" fmla="val 50000"/>
-              </a:avLst>
-            </a:prstGeom>
-            <a:ln w="38100">
-              <a:solidFill>
-                <a:schemeClr val="accent2"/>
-              </a:solidFill>
-              <a:tailEnd type="triangle"/>
-            </a:ln>
-          </p:spPr>
-          <p:style>
-            <a:lnRef idx="1">
-              <a:schemeClr val="accent1"/>
-            </a:lnRef>
-            <a:fillRef idx="0">
-              <a:schemeClr val="accent1"/>
-            </a:fillRef>
-            <a:effectRef idx="0">
-              <a:schemeClr val="accent1"/>
-            </a:effectRef>
-            <a:fontRef idx="minor">
-              <a:schemeClr val="tx1"/>
-            </a:fontRef>
-          </p:style>
-        </p:cxnSp>
-        <p:cxnSp>
-          <p:nvCxnSpPr>
-            <p:cNvPr id="453" name="Connector: Elbow 452">
-              <a:extLst>
-                <a:ext uri="{FF2B5EF4-FFF2-40B4-BE49-F238E27FC236}">
-                  <a16:creationId xmlns:a16="http://schemas.microsoft.com/office/drawing/2014/main" id="{3C76124A-CA07-8A11-9167-B9CE98CFC0F0}"/>
-                </a:ext>
-              </a:extLst>
-            </p:cNvPr>
-            <p:cNvCxnSpPr>
-              <a:cxnSpLocks/>
-              <a:stCxn id="7" idx="3"/>
-              <a:endCxn id="33" idx="1"/>
-            </p:cNvCxnSpPr>
-            <p:nvPr/>
-          </p:nvCxnSpPr>
-          <p:spPr>
-            <a:xfrm flipV="1">
-              <a:off x="6362141" y="3255368"/>
-              <a:ext cx="1215235" cy="1565381"/>
-            </a:xfrm>
-            <a:prstGeom prst="bentConnector3">
-              <a:avLst>
-                <a:gd name="adj1" fmla="val 50000"/>
-              </a:avLst>
-            </a:prstGeom>
-            <a:ln w="38100">
-              <a:solidFill>
-                <a:schemeClr val="accent2"/>
-              </a:solidFill>
-              <a:tailEnd type="triangle"/>
-            </a:ln>
-          </p:spPr>
-          <p:style>
-            <a:lnRef idx="1">
-              <a:schemeClr val="accent1"/>
-            </a:lnRef>
-            <a:fillRef idx="0">
-              <a:schemeClr val="accent1"/>
-            </a:fillRef>
-            <a:effectRef idx="0">
-              <a:schemeClr val="accent1"/>
-            </a:effectRef>
-            <a:fontRef idx="minor">
-              <a:schemeClr val="tx1"/>
-            </a:fontRef>
-          </p:style>
-        </p:cxnSp>
-        <p:cxnSp>
-          <p:nvCxnSpPr>
-            <p:cNvPr id="456" name="Connector: Elbow 455">
-              <a:extLst>
-                <a:ext uri="{FF2B5EF4-FFF2-40B4-BE49-F238E27FC236}">
-                  <a16:creationId xmlns:a16="http://schemas.microsoft.com/office/drawing/2014/main" id="{F59000AD-3D55-4FC8-5D3F-2140DCEB5ED0}"/>
-                </a:ext>
-              </a:extLst>
-            </p:cNvPr>
-            <p:cNvCxnSpPr>
-              <a:cxnSpLocks/>
-              <a:stCxn id="6" idx="3"/>
-              <a:endCxn id="33" idx="1"/>
-            </p:cNvCxnSpPr>
-            <p:nvPr/>
-          </p:nvCxnSpPr>
-          <p:spPr>
-            <a:xfrm flipV="1">
-              <a:off x="6362141" y="3255368"/>
-              <a:ext cx="1215235" cy="1101702"/>
-            </a:xfrm>
-            <a:prstGeom prst="bentConnector3">
-              <a:avLst>
-                <a:gd name="adj1" fmla="val 50000"/>
-              </a:avLst>
-            </a:prstGeom>
-            <a:ln w="38100">
-              <a:solidFill>
-                <a:schemeClr val="accent2"/>
-              </a:solidFill>
-              <a:tailEnd type="triangle"/>
-            </a:ln>
-          </p:spPr>
-          <p:style>
-            <a:lnRef idx="1">
-              <a:schemeClr val="accent1"/>
-            </a:lnRef>
-            <a:fillRef idx="0">
-              <a:schemeClr val="accent1"/>
-            </a:fillRef>
-            <a:effectRef idx="0">
-              <a:schemeClr val="accent1"/>
-            </a:effectRef>
-            <a:fontRef idx="minor">
-              <a:schemeClr val="tx1"/>
-            </a:fontRef>
-          </p:style>
-        </p:cxnSp>
-        <p:cxnSp>
-          <p:nvCxnSpPr>
-            <p:cNvPr id="461" name="Straight Arrow Connector 460">
-              <a:extLst>
-                <a:ext uri="{FF2B5EF4-FFF2-40B4-BE49-F238E27FC236}">
-                  <a16:creationId xmlns:a16="http://schemas.microsoft.com/office/drawing/2014/main" id="{3492B50D-3A22-E3D9-90E0-BC5DF53C85D4}"/>
-                </a:ext>
-              </a:extLst>
-            </p:cNvPr>
-            <p:cNvCxnSpPr>
-              <a:cxnSpLocks/>
-              <a:stCxn id="33" idx="3"/>
-              <a:endCxn id="489" idx="1"/>
-            </p:cNvCxnSpPr>
-            <p:nvPr/>
-          </p:nvCxnSpPr>
-          <p:spPr>
-            <a:xfrm>
-              <a:off x="9137418" y="3255368"/>
-              <a:ext cx="542828" cy="0"/>
-            </a:xfrm>
-            <a:prstGeom prst="straightConnector1">
-              <a:avLst/>
-            </a:prstGeom>
-            <a:ln w="38100">
-              <a:solidFill>
-                <a:schemeClr val="accent2"/>
-              </a:solidFill>
-              <a:tailEnd type="triangle"/>
-            </a:ln>
-          </p:spPr>
-          <p:style>
-            <a:lnRef idx="1">
-              <a:schemeClr val="accent1"/>
-            </a:lnRef>
-            <a:fillRef idx="0">
-              <a:schemeClr val="accent1"/>
-            </a:fillRef>
-            <a:effectRef idx="0">
-              <a:schemeClr val="accent1"/>
-            </a:effectRef>
-            <a:fontRef idx="minor">
-              <a:schemeClr val="tx1"/>
-            </a:fontRef>
-          </p:style>
-        </p:cxnSp>
-        <p:cxnSp>
-          <p:nvCxnSpPr>
-            <p:cNvPr id="462" name="Connector: Elbow 461">
-              <a:extLst>
-                <a:ext uri="{FF2B5EF4-FFF2-40B4-BE49-F238E27FC236}">
-                  <a16:creationId xmlns:a16="http://schemas.microsoft.com/office/drawing/2014/main" id="{3F3F5051-6F6D-AF92-B676-193A8C99491B}"/>
-                </a:ext>
-              </a:extLst>
-            </p:cNvPr>
-            <p:cNvCxnSpPr>
-              <a:cxnSpLocks/>
-              <a:stCxn id="4" idx="3"/>
-              <a:endCxn id="33" idx="1"/>
-            </p:cNvCxnSpPr>
-            <p:nvPr/>
-          </p:nvCxnSpPr>
-          <p:spPr>
-            <a:xfrm>
-              <a:off x="6362141" y="2502354"/>
-              <a:ext cx="1215235" cy="753014"/>
-            </a:xfrm>
-            <a:prstGeom prst="bentConnector3">
-              <a:avLst>
-                <a:gd name="adj1" fmla="val 50000"/>
-              </a:avLst>
-            </a:prstGeom>
-            <a:ln w="38100">
-              <a:solidFill>
-                <a:schemeClr val="accent2"/>
-              </a:solidFill>
-              <a:tailEnd type="triangle"/>
-            </a:ln>
-          </p:spPr>
-          <p:style>
-            <a:lnRef idx="1">
-              <a:schemeClr val="accent1"/>
-            </a:lnRef>
-            <a:fillRef idx="0">
-              <a:schemeClr val="accent1"/>
-            </a:fillRef>
-            <a:effectRef idx="0">
-              <a:schemeClr val="accent1"/>
-            </a:effectRef>
-            <a:fontRef idx="minor">
-              <a:schemeClr val="tx1"/>
-            </a:fontRef>
-          </p:style>
-        </p:cxnSp>
-        <p:cxnSp>
-          <p:nvCxnSpPr>
-            <p:cNvPr id="474" name="Straight Arrow Connector 473">
-              <a:extLst>
-                <a:ext uri="{FF2B5EF4-FFF2-40B4-BE49-F238E27FC236}">
-                  <a16:creationId xmlns:a16="http://schemas.microsoft.com/office/drawing/2014/main" id="{DC508057-4F99-245D-ADF1-F810D85E6C6B}"/>
-                </a:ext>
-              </a:extLst>
-            </p:cNvPr>
-            <p:cNvCxnSpPr>
-              <a:cxnSpLocks/>
-              <a:stCxn id="4" idx="1"/>
-              <a:endCxn id="49" idx="3"/>
-            </p:cNvCxnSpPr>
-            <p:nvPr/>
-          </p:nvCxnSpPr>
-          <p:spPr>
-            <a:xfrm flipH="1">
-              <a:off x="3749674" y="2502354"/>
-              <a:ext cx="862867" cy="0"/>
-            </a:xfrm>
-            <a:prstGeom prst="straightConnector1">
-              <a:avLst/>
-            </a:prstGeom>
-            <a:ln w="38100">
-              <a:solidFill>
-                <a:schemeClr val="accent2"/>
-              </a:solidFill>
-              <a:tailEnd type="triangle"/>
-            </a:ln>
-          </p:spPr>
-          <p:style>
-            <a:lnRef idx="1">
-              <a:schemeClr val="accent1"/>
-            </a:lnRef>
-            <a:fillRef idx="0">
-              <a:schemeClr val="accent1"/>
-            </a:fillRef>
-            <a:effectRef idx="0">
-              <a:schemeClr val="accent1"/>
-            </a:effectRef>
-            <a:fontRef idx="minor">
-              <a:schemeClr val="tx1"/>
-            </a:fontRef>
-          </p:style>
-        </p:cxnSp>
-        <p:cxnSp>
-          <p:nvCxnSpPr>
-            <p:cNvPr id="482" name="Straight Arrow Connector 481">
-              <a:extLst>
-                <a:ext uri="{FF2B5EF4-FFF2-40B4-BE49-F238E27FC236}">
-                  <a16:creationId xmlns:a16="http://schemas.microsoft.com/office/drawing/2014/main" id="{DE66EFA4-496F-300B-3572-E8AC3E02457A}"/>
-                </a:ext>
-              </a:extLst>
-            </p:cNvPr>
-            <p:cNvCxnSpPr>
-              <a:cxnSpLocks/>
-              <a:stCxn id="8" idx="1"/>
-              <a:endCxn id="43" idx="3"/>
-            </p:cNvCxnSpPr>
-            <p:nvPr/>
-          </p:nvCxnSpPr>
-          <p:spPr>
-            <a:xfrm flipH="1">
-              <a:off x="3749674" y="2038675"/>
-              <a:ext cx="862867" cy="0"/>
-            </a:xfrm>
-            <a:prstGeom prst="straightConnector1">
-              <a:avLst/>
-            </a:prstGeom>
-            <a:ln w="38100">
-              <a:solidFill>
-                <a:schemeClr val="accent2"/>
-              </a:solidFill>
-              <a:tailEnd type="triangle"/>
-            </a:ln>
-          </p:spPr>
-          <p:style>
-            <a:lnRef idx="1">
-              <a:schemeClr val="accent1"/>
-            </a:lnRef>
-            <a:fillRef idx="0">
-              <a:schemeClr val="accent1"/>
-            </a:fillRef>
-            <a:effectRef idx="0">
-              <a:schemeClr val="accent1"/>
-            </a:effectRef>
-            <a:fontRef idx="minor">
-              <a:schemeClr val="tx1"/>
-            </a:fontRef>
-          </p:style>
-        </p:cxnSp>
-        <p:sp>
-          <p:nvSpPr>
-            <p:cNvPr id="486" name="TextBox 485">
-              <a:extLst>
-                <a:ext uri="{FF2B5EF4-FFF2-40B4-BE49-F238E27FC236}">
-                  <a16:creationId xmlns:a16="http://schemas.microsoft.com/office/drawing/2014/main" id="{250D6744-6027-85B4-B97D-0CE3B1D7C6EF}"/>
-                </a:ext>
-              </a:extLst>
-            </p:cNvPr>
-            <p:cNvSpPr txBox="1">
-              <a:spLocks/>
-            </p:cNvSpPr>
-            <p:nvPr/>
-          </p:nvSpPr>
-          <p:spPr>
-            <a:xfrm>
-              <a:off x="4612541" y="1451175"/>
-              <a:ext cx="1749600" cy="246221"/>
-            </a:xfrm>
-            <a:prstGeom prst="rect">
-              <a:avLst/>
-            </a:prstGeom>
-            <a:ln w="28575">
-              <a:solidFill>
-                <a:schemeClr val="tx1"/>
-              </a:solidFill>
-            </a:ln>
-          </p:spPr>
-          <p:style>
-            <a:lnRef idx="2">
-              <a:schemeClr val="dk1"/>
-            </a:lnRef>
-            <a:fillRef idx="1">
-              <a:schemeClr val="lt1"/>
-            </a:fillRef>
-            <a:effectRef idx="0">
-              <a:schemeClr val="dk1"/>
-            </a:effectRef>
-            <a:fontRef idx="minor">
-              <a:schemeClr val="dk1"/>
-            </a:fontRef>
-          </p:style>
-          <p:txBody>
-            <a:bodyPr wrap="none" rtlCol="0">
-              <a:spAutoFit/>
-            </a:bodyPr>
-            <a:lstStyle/>
-            <a:p>
-              <a:pPr algn="ctr"/>
-              <a:r>
-                <a:rPr lang="en-US" sz="1000" b="1" dirty="0">
-                  <a:solidFill>
-                    <a:schemeClr val="tx1"/>
-                  </a:solidFill>
-                </a:rPr>
-                <a:t>Business Search UI</a:t>
-              </a:r>
-              <a:endParaRPr lang="en-US" sz="1000" i="1" dirty="0">
-                <a:solidFill>
-                  <a:schemeClr val="tx1"/>
-                </a:solidFill>
-              </a:endParaRPr>
-            </a:p>
-          </p:txBody>
-        </p:sp>
-        <p:cxnSp>
-          <p:nvCxnSpPr>
-            <p:cNvPr id="487" name="Connector: Elbow 486">
-              <a:extLst>
-                <a:ext uri="{FF2B5EF4-FFF2-40B4-BE49-F238E27FC236}">
-                  <a16:creationId xmlns:a16="http://schemas.microsoft.com/office/drawing/2014/main" id="{CA622310-B6A5-1408-C915-FE3ABDDD1CF2}"/>
-                </a:ext>
-              </a:extLst>
-            </p:cNvPr>
-            <p:cNvCxnSpPr>
-              <a:cxnSpLocks/>
-              <a:stCxn id="486" idx="3"/>
-              <a:endCxn id="33" idx="1"/>
-            </p:cNvCxnSpPr>
-            <p:nvPr/>
-          </p:nvCxnSpPr>
-          <p:spPr>
-            <a:xfrm>
-              <a:off x="6362141" y="1574286"/>
-              <a:ext cx="1215235" cy="1681082"/>
-            </a:xfrm>
-            <a:prstGeom prst="bentConnector3">
-              <a:avLst>
-                <a:gd name="adj1" fmla="val 50000"/>
-              </a:avLst>
-            </a:prstGeom>
-            <a:ln w="38100">
-              <a:solidFill>
-                <a:schemeClr val="accent2"/>
-              </a:solidFill>
-              <a:tailEnd type="triangle"/>
-            </a:ln>
-          </p:spPr>
-          <p:style>
-            <a:lnRef idx="1">
-              <a:schemeClr val="accent1"/>
-            </a:lnRef>
-            <a:fillRef idx="0">
-              <a:schemeClr val="accent1"/>
-            </a:fillRef>
-            <a:effectRef idx="0">
-              <a:schemeClr val="accent1"/>
-            </a:effectRef>
-            <a:fontRef idx="minor">
-              <a:schemeClr val="tx1"/>
-            </a:fontRef>
-          </p:style>
-        </p:cxnSp>
-        <p:cxnSp>
-          <p:nvCxnSpPr>
-            <p:cNvPr id="494" name="Connector: Elbow 493">
-              <a:extLst>
-                <a:ext uri="{FF2B5EF4-FFF2-40B4-BE49-F238E27FC236}">
-                  <a16:creationId xmlns:a16="http://schemas.microsoft.com/office/drawing/2014/main" id="{706A3E5F-6960-49BC-9298-98627736161D}"/>
-                </a:ext>
-              </a:extLst>
-            </p:cNvPr>
-            <p:cNvCxnSpPr>
-              <a:cxnSpLocks/>
-              <a:stCxn id="8" idx="3"/>
-              <a:endCxn id="33" idx="1"/>
-            </p:cNvCxnSpPr>
-            <p:nvPr/>
-          </p:nvCxnSpPr>
-          <p:spPr>
-            <a:xfrm>
-              <a:off x="6362141" y="2038675"/>
-              <a:ext cx="1215235" cy="1216693"/>
-            </a:xfrm>
-            <a:prstGeom prst="bentConnector3">
-              <a:avLst>
-                <a:gd name="adj1" fmla="val 50000"/>
-              </a:avLst>
-            </a:prstGeom>
-            <a:ln w="38100">
-              <a:solidFill>
-                <a:schemeClr val="accent2"/>
-              </a:solidFill>
-              <a:tailEnd type="triangle"/>
-            </a:ln>
-          </p:spPr>
-          <p:style>
-            <a:lnRef idx="1">
-              <a:schemeClr val="accent1"/>
-            </a:lnRef>
-            <a:fillRef idx="0">
-              <a:schemeClr val="accent1"/>
-            </a:fillRef>
-            <a:effectRef idx="0">
-              <a:schemeClr val="accent1"/>
-            </a:effectRef>
-            <a:fontRef idx="minor">
-              <a:schemeClr val="tx1"/>
-            </a:fontRef>
-          </p:style>
-        </p:cxnSp>
-        <p:cxnSp>
-          <p:nvCxnSpPr>
-            <p:cNvPr id="497" name="Connector: Elbow 496">
-              <a:extLst>
-                <a:ext uri="{FF2B5EF4-FFF2-40B4-BE49-F238E27FC236}">
-                  <a16:creationId xmlns:a16="http://schemas.microsoft.com/office/drawing/2014/main" id="{E4E47D67-9426-5374-9974-2F475CB3BF5D}"/>
-                </a:ext>
-              </a:extLst>
-            </p:cNvPr>
-            <p:cNvCxnSpPr>
-              <a:cxnSpLocks/>
-              <a:stCxn id="49" idx="2"/>
-              <a:endCxn id="33" idx="2"/>
-            </p:cNvCxnSpPr>
-            <p:nvPr/>
-          </p:nvCxnSpPr>
-          <p:spPr>
-            <a:xfrm rot="16200000" flipH="1">
-              <a:off x="5162329" y="337298"/>
-              <a:ext cx="907613" cy="5482523"/>
-            </a:xfrm>
-            <a:prstGeom prst="bentConnector3">
-              <a:avLst>
-                <a:gd name="adj1" fmla="val 342014"/>
-              </a:avLst>
-            </a:prstGeom>
-            <a:ln w="38100">
-              <a:solidFill>
-                <a:schemeClr val="accent2"/>
-              </a:solidFill>
-              <a:headEnd type="triangle"/>
-              <a:tailEnd type="triangle"/>
-            </a:ln>
-          </p:spPr>
-          <p:style>
-            <a:lnRef idx="1">
-              <a:schemeClr val="accent1"/>
-            </a:lnRef>
-            <a:fillRef idx="0">
-              <a:schemeClr val="accent1"/>
-            </a:fillRef>
-            <a:effectRef idx="0">
-              <a:schemeClr val="accent1"/>
-            </a:effectRef>
-            <a:fontRef idx="minor">
-              <a:schemeClr val="tx1"/>
-            </a:fontRef>
-          </p:style>
-        </p:cxnSp>
-        <p:cxnSp>
-          <p:nvCxnSpPr>
-            <p:cNvPr id="3" name="Connector: Elbow 2">
-              <a:extLst>
-                <a:ext uri="{FF2B5EF4-FFF2-40B4-BE49-F238E27FC236}">
-                  <a16:creationId xmlns:a16="http://schemas.microsoft.com/office/drawing/2014/main" id="{F397BEA1-A9F2-E868-682C-18C7B733F1B5}"/>
-                </a:ext>
-              </a:extLst>
-            </p:cNvPr>
-            <p:cNvCxnSpPr>
-              <a:cxnSpLocks/>
-              <a:stCxn id="43" idx="1"/>
-              <a:endCxn id="33" idx="2"/>
-            </p:cNvCxnSpPr>
-            <p:nvPr/>
-          </p:nvCxnSpPr>
-          <p:spPr>
-            <a:xfrm rot="10800000" flipH="1" flipV="1">
-              <a:off x="2000073" y="2038675"/>
-              <a:ext cx="6357323" cy="1493692"/>
-            </a:xfrm>
-            <a:prstGeom prst="bentConnector4">
-              <a:avLst>
-                <a:gd name="adj1" fmla="val -3596"/>
-                <a:gd name="adj2" fmla="val 271443"/>
-              </a:avLst>
-            </a:prstGeom>
-            <a:ln w="38100">
-              <a:solidFill>
-                <a:schemeClr val="accent2"/>
-              </a:solidFill>
-              <a:headEnd type="triangle"/>
-              <a:tailEnd type="triangle"/>
-            </a:ln>
-          </p:spPr>
-          <p:style>
-            <a:lnRef idx="1">
-              <a:schemeClr val="accent1"/>
-            </a:lnRef>
-            <a:fillRef idx="0">
-              <a:schemeClr val="accent1"/>
-            </a:fillRef>
-            <a:effectRef idx="0">
-              <a:schemeClr val="accent1"/>
-            </a:effectRef>
-            <a:fontRef idx="minor">
-              <a:schemeClr val="tx1"/>
-            </a:fontRef>
-          </p:style>
-        </p:cxnSp>
       </p:grpSp>
+      <p:sp>
+        <p:nvSpPr>
+          <p:cNvPr id="29" name="TextBox 28">
+            <a:extLst>
+              <a:ext uri="{FF2B5EF4-FFF2-40B4-BE49-F238E27FC236}">
+                <a16:creationId xmlns:a16="http://schemas.microsoft.com/office/drawing/2014/main" id="{ED415D62-FA70-C4C1-4AE5-2312020D5569}"/>
+              </a:ext>
+            </a:extLst>
+          </p:cNvPr>
+          <p:cNvSpPr txBox="1"/>
+          <p:nvPr/>
+        </p:nvSpPr>
+        <p:spPr>
+          <a:xfrm>
+            <a:off x="9807231" y="4555500"/>
+            <a:ext cx="1301671" cy="461665"/>
+          </a:xfrm>
+          <a:prstGeom prst="rect">
+            <a:avLst/>
+          </a:prstGeom>
+          <a:noFill/>
+          <a:ln>
+            <a:noFill/>
+          </a:ln>
+        </p:spPr>
+        <p:txBody>
+          <a:bodyPr wrap="square" rtlCol="0">
+            <a:spAutoFit/>
+          </a:bodyPr>
+          <a:lstStyle/>
+          <a:p>
+            <a:r>
+              <a:rPr lang="en-US" sz="1200" i="1" dirty="0"/>
+              <a:t>Almost all UIs and APIs call PAY API</a:t>
+            </a:r>
+          </a:p>
+        </p:txBody>
+      </p:sp>
     </p:spTree>
     <p:extLst>
       <p:ext uri="{BB962C8B-B14F-4D97-AF65-F5344CB8AC3E}">
